--- a/OPCPP/presentations/04_prezentace_OPR_ukazatele_aritmetika.pptx
+++ b/OPCPP/presentations/04_prezentace_OPR_ukazatele_aritmetika.pptx
@@ -70,29 +70,22 @@
       <p:bold r:id="rId57"/>
     </p:embeddedFont>
     <p:embeddedFont>
-      <p:font typeface="Calibri" panose="020F0502020204030204" pitchFamily="34" charset="0"/>
+      <p:font typeface="Consolas" panose="020B0609020204030204" pitchFamily="49" charset="0"/>
       <p:regular r:id="rId58"/>
       <p:bold r:id="rId59"/>
       <p:italic r:id="rId60"/>
       <p:boldItalic r:id="rId61"/>
     </p:embeddedFont>
     <p:embeddedFont>
-      <p:font typeface="Consolas" panose="020B0609020204030204" pitchFamily="49" charset="0"/>
+      <p:font typeface="Source sans Pro" panose="020B0503030403020204" pitchFamily="34" charset="0"/>
       <p:regular r:id="rId62"/>
       <p:bold r:id="rId63"/>
       <p:italic r:id="rId64"/>
       <p:boldItalic r:id="rId65"/>
     </p:embeddedFont>
     <p:embeddedFont>
-      <p:font typeface="Source sans Pro" panose="020B0503030403020204" pitchFamily="34" charset="0"/>
-      <p:regular r:id="rId66"/>
-      <p:bold r:id="rId67"/>
-      <p:italic r:id="rId68"/>
-      <p:boldItalic r:id="rId69"/>
-    </p:embeddedFont>
-    <p:embeddedFont>
-      <p:font typeface="Source Sans Pro Bold" panose="020B0703030403020204" pitchFamily="34" charset="0"/>
-      <p:bold r:id="rId70"/>
+      <p:font typeface="Source Sans Pro Bold" panose="020B0703030403020204" charset="-18"/>
+      <p:bold r:id="rId66"/>
     </p:embeddedFont>
   </p:embeddedFontLst>
   <p:defaultTextStyle>
@@ -219,6 +212,803 @@
 
 <file path=ppt/changesInfos/changesInfo1.xml><?xml version="1.0" encoding="utf-8"?>
 <pc:chgInfo xmlns:a="http://schemas.openxmlformats.org/drawingml/2006/main" xmlns:r="http://schemas.openxmlformats.org/officeDocument/2006/relationships" xmlns:ac="http://schemas.microsoft.com/office/drawing/2013/main/command" xmlns:pc="http://schemas.microsoft.com/office/powerpoint/2013/main/command">
+  <pc:docChgLst>
+    <pc:chgData name="Erik Král" userId="e92e8e71-05aa-4c44-9728-5ff1a0a20d65" providerId="ADAL" clId="{C99FE32A-0C55-45B0-BC8A-FA34FEC6275F}"/>
+    <pc:docChg chg="undo custSel addSld delSld modSld">
+      <pc:chgData name="Erik Král" userId="e92e8e71-05aa-4c44-9728-5ff1a0a20d65" providerId="ADAL" clId="{C99FE32A-0C55-45B0-BC8A-FA34FEC6275F}" dt="2020-03-19T10:42:08.700" v="622" actId="478"/>
+      <pc:docMkLst>
+        <pc:docMk/>
+      </pc:docMkLst>
+      <pc:sldChg chg="modSp">
+        <pc:chgData name="Erik Král" userId="e92e8e71-05aa-4c44-9728-5ff1a0a20d65" providerId="ADAL" clId="{C99FE32A-0C55-45B0-BC8A-FA34FEC6275F}" dt="2020-03-19T10:39:56.688" v="529" actId="20577"/>
+        <pc:sldMkLst>
+          <pc:docMk/>
+          <pc:sldMk cId="3410786804" sldId="280"/>
+        </pc:sldMkLst>
+        <pc:spChg chg="mod">
+          <ac:chgData name="Erik Král" userId="e92e8e71-05aa-4c44-9728-5ff1a0a20d65" providerId="ADAL" clId="{C99FE32A-0C55-45B0-BC8A-FA34FEC6275F}" dt="2020-03-19T10:39:56.688" v="529" actId="20577"/>
+          <ac:spMkLst>
+            <pc:docMk/>
+            <pc:sldMk cId="3410786804" sldId="280"/>
+            <ac:spMk id="3" creationId="{00000000-0000-0000-0000-000000000000}"/>
+          </ac:spMkLst>
+        </pc:spChg>
+      </pc:sldChg>
+      <pc:sldChg chg="modSp">
+        <pc:chgData name="Erik Král" userId="e92e8e71-05aa-4c44-9728-5ff1a0a20d65" providerId="ADAL" clId="{C99FE32A-0C55-45B0-BC8A-FA34FEC6275F}" dt="2020-03-19T10:40:23.976" v="578" actId="20577"/>
+        <pc:sldMkLst>
+          <pc:docMk/>
+          <pc:sldMk cId="324605791" sldId="377"/>
+        </pc:sldMkLst>
+        <pc:spChg chg="mod">
+          <ac:chgData name="Erik Král" userId="e92e8e71-05aa-4c44-9728-5ff1a0a20d65" providerId="ADAL" clId="{C99FE32A-0C55-45B0-BC8A-FA34FEC6275F}" dt="2020-03-19T10:40:23.976" v="578" actId="20577"/>
+          <ac:spMkLst>
+            <pc:docMk/>
+            <pc:sldMk cId="324605791" sldId="377"/>
+            <ac:spMk id="7" creationId="{F104F025-3663-467D-916A-7B24CC0055FD}"/>
+          </ac:spMkLst>
+        </pc:spChg>
+      </pc:sldChg>
+      <pc:sldChg chg="modSp">
+        <pc:chgData name="Erik Král" userId="e92e8e71-05aa-4c44-9728-5ff1a0a20d65" providerId="ADAL" clId="{C99FE32A-0C55-45B0-BC8A-FA34FEC6275F}" dt="2020-03-17T16:25:49.059" v="6" actId="114"/>
+        <pc:sldMkLst>
+          <pc:docMk/>
+          <pc:sldMk cId="3877926806" sldId="379"/>
+        </pc:sldMkLst>
+        <pc:spChg chg="mod">
+          <ac:chgData name="Erik Král" userId="e92e8e71-05aa-4c44-9728-5ff1a0a20d65" providerId="ADAL" clId="{C99FE32A-0C55-45B0-BC8A-FA34FEC6275F}" dt="2020-03-17T16:25:49.059" v="6" actId="114"/>
+          <ac:spMkLst>
+            <pc:docMk/>
+            <pc:sldMk cId="3877926806" sldId="379"/>
+            <ac:spMk id="3" creationId="{FD8E41C2-1EE8-453F-80FC-5A442537797F}"/>
+          </ac:spMkLst>
+        </pc:spChg>
+      </pc:sldChg>
+      <pc:sldChg chg="modSp">
+        <pc:chgData name="Erik Král" userId="e92e8e71-05aa-4c44-9728-5ff1a0a20d65" providerId="ADAL" clId="{C99FE32A-0C55-45B0-BC8A-FA34FEC6275F}" dt="2020-03-17T16:24:04.753" v="1" actId="20577"/>
+        <pc:sldMkLst>
+          <pc:docMk/>
+          <pc:sldMk cId="66877502" sldId="380"/>
+        </pc:sldMkLst>
+        <pc:spChg chg="mod">
+          <ac:chgData name="Erik Král" userId="e92e8e71-05aa-4c44-9728-5ff1a0a20d65" providerId="ADAL" clId="{C99FE32A-0C55-45B0-BC8A-FA34FEC6275F}" dt="2020-03-17T16:24:04.753" v="1" actId="20577"/>
+          <ac:spMkLst>
+            <pc:docMk/>
+            <pc:sldMk cId="66877502" sldId="380"/>
+            <ac:spMk id="3" creationId="{356FE689-593F-4FF6-B018-3997D364AA0E}"/>
+          </ac:spMkLst>
+        </pc:spChg>
+      </pc:sldChg>
+      <pc:sldChg chg="del">
+        <pc:chgData name="Erik Král" userId="e92e8e71-05aa-4c44-9728-5ff1a0a20d65" providerId="ADAL" clId="{C99FE32A-0C55-45B0-BC8A-FA34FEC6275F}" dt="2020-03-17T16:23:12.125" v="0" actId="2696"/>
+        <pc:sldMkLst>
+          <pc:docMk/>
+          <pc:sldMk cId="3042027691" sldId="381"/>
+        </pc:sldMkLst>
+      </pc:sldChg>
+      <pc:sldChg chg="modSp">
+        <pc:chgData name="Erik Král" userId="e92e8e71-05aa-4c44-9728-5ff1a0a20d65" providerId="ADAL" clId="{C99FE32A-0C55-45B0-BC8A-FA34FEC6275F}" dt="2020-03-19T10:41:33.189" v="621" actId="20577"/>
+        <pc:sldMkLst>
+          <pc:docMk/>
+          <pc:sldMk cId="1331038334" sldId="385"/>
+        </pc:sldMkLst>
+        <pc:spChg chg="mod">
+          <ac:chgData name="Erik Král" userId="e92e8e71-05aa-4c44-9728-5ff1a0a20d65" providerId="ADAL" clId="{C99FE32A-0C55-45B0-BC8A-FA34FEC6275F}" dt="2020-03-19T10:41:33.189" v="621" actId="20577"/>
+          <ac:spMkLst>
+            <pc:docMk/>
+            <pc:sldMk cId="1331038334" sldId="385"/>
+            <ac:spMk id="3" creationId="{6FF51D9D-4B63-462F-86CE-C1724D57AD03}"/>
+          </ac:spMkLst>
+        </pc:spChg>
+      </pc:sldChg>
+      <pc:sldChg chg="modSp">
+        <pc:chgData name="Erik Král" userId="e92e8e71-05aa-4c44-9728-5ff1a0a20d65" providerId="ADAL" clId="{C99FE32A-0C55-45B0-BC8A-FA34FEC6275F}" dt="2020-03-17T16:24:47.869" v="4" actId="207"/>
+        <pc:sldMkLst>
+          <pc:docMk/>
+          <pc:sldMk cId="4245153736" sldId="394"/>
+        </pc:sldMkLst>
+        <pc:spChg chg="mod">
+          <ac:chgData name="Erik Král" userId="e92e8e71-05aa-4c44-9728-5ff1a0a20d65" providerId="ADAL" clId="{C99FE32A-0C55-45B0-BC8A-FA34FEC6275F}" dt="2020-03-17T16:24:47.869" v="4" actId="207"/>
+          <ac:spMkLst>
+            <pc:docMk/>
+            <pc:sldMk cId="4245153736" sldId="394"/>
+            <ac:spMk id="18" creationId="{0BFA0459-DFA3-443F-9976-E7534DC34C85}"/>
+          </ac:spMkLst>
+        </pc:spChg>
+      </pc:sldChg>
+      <pc:sldChg chg="modSp">
+        <pc:chgData name="Erik Král" userId="e92e8e71-05aa-4c44-9728-5ff1a0a20d65" providerId="ADAL" clId="{C99FE32A-0C55-45B0-BC8A-FA34FEC6275F}" dt="2020-03-17T16:25:09.986" v="5" actId="207"/>
+        <pc:sldMkLst>
+          <pc:docMk/>
+          <pc:sldMk cId="2010371001" sldId="396"/>
+        </pc:sldMkLst>
+        <pc:spChg chg="mod">
+          <ac:chgData name="Erik Král" userId="e92e8e71-05aa-4c44-9728-5ff1a0a20d65" providerId="ADAL" clId="{C99FE32A-0C55-45B0-BC8A-FA34FEC6275F}" dt="2020-03-17T16:25:09.986" v="5" actId="207"/>
+          <ac:spMkLst>
+            <pc:docMk/>
+            <pc:sldMk cId="2010371001" sldId="396"/>
+            <ac:spMk id="18" creationId="{AA76A1B5-37B6-49C2-A025-9445CC6C76FD}"/>
+          </ac:spMkLst>
+        </pc:spChg>
+      </pc:sldChg>
+      <pc:sldChg chg="delSp">
+        <pc:chgData name="Erik Král" userId="e92e8e71-05aa-4c44-9728-5ff1a0a20d65" providerId="ADAL" clId="{C99FE32A-0C55-45B0-BC8A-FA34FEC6275F}" dt="2020-03-19T10:42:08.700" v="622" actId="478"/>
+        <pc:sldMkLst>
+          <pc:docMk/>
+          <pc:sldMk cId="3350780353" sldId="401"/>
+        </pc:sldMkLst>
+        <pc:cxnChg chg="del">
+          <ac:chgData name="Erik Král" userId="e92e8e71-05aa-4c44-9728-5ff1a0a20d65" providerId="ADAL" clId="{C99FE32A-0C55-45B0-BC8A-FA34FEC6275F}" dt="2020-03-19T10:42:08.700" v="622" actId="478"/>
+          <ac:cxnSpMkLst>
+            <pc:docMk/>
+            <pc:sldMk cId="3350780353" sldId="401"/>
+            <ac:cxnSpMk id="19" creationId="{ECF541D4-3818-4648-AC9D-FF6BABCC3777}"/>
+          </ac:cxnSpMkLst>
+        </pc:cxnChg>
+      </pc:sldChg>
+      <pc:sldChg chg="addSp delSp modSp del">
+        <pc:chgData name="Erik Král" userId="e92e8e71-05aa-4c44-9728-5ff1a0a20d65" providerId="ADAL" clId="{C99FE32A-0C55-45B0-BC8A-FA34FEC6275F}" dt="2020-03-18T13:05:38.668" v="281" actId="2696"/>
+        <pc:sldMkLst>
+          <pc:docMk/>
+          <pc:sldMk cId="940225684" sldId="420"/>
+        </pc:sldMkLst>
+        <pc:spChg chg="mod">
+          <ac:chgData name="Erik Král" userId="e92e8e71-05aa-4c44-9728-5ff1a0a20d65" providerId="ADAL" clId="{C99FE32A-0C55-45B0-BC8A-FA34FEC6275F}" dt="2020-03-18T13:05:16.640" v="279"/>
+          <ac:spMkLst>
+            <pc:docMk/>
+            <pc:sldMk cId="940225684" sldId="420"/>
+            <ac:spMk id="2" creationId="{DAB4930D-23C8-45E1-946F-64DC4F82A284}"/>
+          </ac:spMkLst>
+        </pc:spChg>
+        <pc:spChg chg="del">
+          <ac:chgData name="Erik Král" userId="e92e8e71-05aa-4c44-9728-5ff1a0a20d65" providerId="ADAL" clId="{C99FE32A-0C55-45B0-BC8A-FA34FEC6275F}" dt="2020-03-18T13:05:27.551" v="280" actId="478"/>
+          <ac:spMkLst>
+            <pc:docMk/>
+            <pc:sldMk cId="940225684" sldId="420"/>
+            <ac:spMk id="3" creationId="{61E08BBD-8A5E-4885-8C29-BB226A5F01CD}"/>
+          </ac:spMkLst>
+        </pc:spChg>
+        <pc:spChg chg="add mod">
+          <ac:chgData name="Erik Král" userId="e92e8e71-05aa-4c44-9728-5ff1a0a20d65" providerId="ADAL" clId="{C99FE32A-0C55-45B0-BC8A-FA34FEC6275F}" dt="2020-03-18T13:05:27.551" v="280" actId="478"/>
+          <ac:spMkLst>
+            <pc:docMk/>
+            <pc:sldMk cId="940225684" sldId="420"/>
+            <ac:spMk id="6" creationId="{9C0D132D-4CEA-457A-9553-2B4FB0D18A1A}"/>
+          </ac:spMkLst>
+        </pc:spChg>
+      </pc:sldChg>
+      <pc:sldChg chg="delSp modSp add">
+        <pc:chgData name="Erik Král" userId="e92e8e71-05aa-4c44-9728-5ff1a0a20d65" providerId="ADAL" clId="{C99FE32A-0C55-45B0-BC8A-FA34FEC6275F}" dt="2020-03-17T16:28:24.220" v="278" actId="20577"/>
+        <pc:sldMkLst>
+          <pc:docMk/>
+          <pc:sldMk cId="2891909401" sldId="421"/>
+        </pc:sldMkLst>
+        <pc:spChg chg="mod">
+          <ac:chgData name="Erik Král" userId="e92e8e71-05aa-4c44-9728-5ff1a0a20d65" providerId="ADAL" clId="{C99FE32A-0C55-45B0-BC8A-FA34FEC6275F}" dt="2020-03-17T16:27:18.243" v="37" actId="20577"/>
+          <ac:spMkLst>
+            <pc:docMk/>
+            <pc:sldMk cId="2891909401" sldId="421"/>
+            <ac:spMk id="2" creationId="{75656144-F30B-4C47-AF91-68AF99C5966B}"/>
+          </ac:spMkLst>
+        </pc:spChg>
+        <pc:spChg chg="mod">
+          <ac:chgData name="Erik Král" userId="e92e8e71-05aa-4c44-9728-5ff1a0a20d65" providerId="ADAL" clId="{C99FE32A-0C55-45B0-BC8A-FA34FEC6275F}" dt="2020-03-17T16:28:24.220" v="278" actId="20577"/>
+          <ac:spMkLst>
+            <pc:docMk/>
+            <pc:sldMk cId="2891909401" sldId="421"/>
+            <ac:spMk id="3" creationId="{805A82DF-2C72-4E54-B1F5-3A584D13851F}"/>
+          </ac:spMkLst>
+        </pc:spChg>
+        <pc:spChg chg="del">
+          <ac:chgData name="Erik Král" userId="e92e8e71-05aa-4c44-9728-5ff1a0a20d65" providerId="ADAL" clId="{C99FE32A-0C55-45B0-BC8A-FA34FEC6275F}" dt="2020-03-17T16:27:11.332" v="8" actId="478"/>
+          <ac:spMkLst>
+            <pc:docMk/>
+            <pc:sldMk cId="2891909401" sldId="421"/>
+            <ac:spMk id="4" creationId="{30EEC973-E5C5-4172-A547-24AB66184640}"/>
+          </ac:spMkLst>
+        </pc:spChg>
+      </pc:sldChg>
+      <pc:sldChg chg="addSp delSp modSp add">
+        <pc:chgData name="Erik Král" userId="e92e8e71-05aa-4c44-9728-5ff1a0a20d65" providerId="ADAL" clId="{C99FE32A-0C55-45B0-BC8A-FA34FEC6275F}" dt="2020-03-18T13:08:08.766" v="327" actId="478"/>
+        <pc:sldMkLst>
+          <pc:docMk/>
+          <pc:sldMk cId="2810711227" sldId="422"/>
+        </pc:sldMkLst>
+        <pc:spChg chg="mod">
+          <ac:chgData name="Erik Král" userId="e92e8e71-05aa-4c44-9728-5ff1a0a20d65" providerId="ADAL" clId="{C99FE32A-0C55-45B0-BC8A-FA34FEC6275F}" dt="2020-03-18T13:05:49.516" v="283"/>
+          <ac:spMkLst>
+            <pc:docMk/>
+            <pc:sldMk cId="2810711227" sldId="422"/>
+            <ac:spMk id="2" creationId="{EEA7AB69-2049-4437-9039-09146C9AEAF2}"/>
+          </ac:spMkLst>
+        </pc:spChg>
+        <pc:spChg chg="del">
+          <ac:chgData name="Erik Král" userId="e92e8e71-05aa-4c44-9728-5ff1a0a20d65" providerId="ADAL" clId="{C99FE32A-0C55-45B0-BC8A-FA34FEC6275F}" dt="2020-03-18T13:05:51.960" v="284" actId="478"/>
+          <ac:spMkLst>
+            <pc:docMk/>
+            <pc:sldMk cId="2810711227" sldId="422"/>
+            <ac:spMk id="3" creationId="{FC736D06-D309-42FB-8AC4-51B87F8DF503}"/>
+          </ac:spMkLst>
+        </pc:spChg>
+        <pc:spChg chg="add mod">
+          <ac:chgData name="Erik Král" userId="e92e8e71-05aa-4c44-9728-5ff1a0a20d65" providerId="ADAL" clId="{C99FE32A-0C55-45B0-BC8A-FA34FEC6275F}" dt="2020-03-18T13:06:10.933" v="290" actId="14100"/>
+          <ac:spMkLst>
+            <pc:docMk/>
+            <pc:sldMk cId="2810711227" sldId="422"/>
+            <ac:spMk id="4" creationId="{CEC0D4D6-913C-4A89-A632-6C2B411BB56A}"/>
+          </ac:spMkLst>
+        </pc:spChg>
+        <pc:spChg chg="add del mod">
+          <ac:chgData name="Erik Král" userId="e92e8e71-05aa-4c44-9728-5ff1a0a20d65" providerId="ADAL" clId="{C99FE32A-0C55-45B0-BC8A-FA34FEC6275F}" dt="2020-03-18T13:07:59.329" v="326" actId="478"/>
+          <ac:spMkLst>
+            <pc:docMk/>
+            <pc:sldMk cId="2810711227" sldId="422"/>
+            <ac:spMk id="6" creationId="{9C413DFC-1812-4627-973D-A7937722D961}"/>
+          </ac:spMkLst>
+        </pc:spChg>
+        <pc:spChg chg="add del">
+          <ac:chgData name="Erik Král" userId="e92e8e71-05aa-4c44-9728-5ff1a0a20d65" providerId="ADAL" clId="{C99FE32A-0C55-45B0-BC8A-FA34FEC6275F}" dt="2020-03-18T13:07:59.329" v="326" actId="478"/>
+          <ac:spMkLst>
+            <pc:docMk/>
+            <pc:sldMk cId="2810711227" sldId="422"/>
+            <ac:spMk id="8" creationId="{64A4D747-F78C-46EF-8A2E-C63C2A2DDAC4}"/>
+          </ac:spMkLst>
+        </pc:spChg>
+        <pc:spChg chg="del mod">
+          <ac:chgData name="Erik Král" userId="e92e8e71-05aa-4c44-9728-5ff1a0a20d65" providerId="ADAL" clId="{C99FE32A-0C55-45B0-BC8A-FA34FEC6275F}" dt="2020-03-18T13:08:08.766" v="327" actId="478"/>
+          <ac:spMkLst>
+            <pc:docMk/>
+            <pc:sldMk cId="2810711227" sldId="422"/>
+            <ac:spMk id="9" creationId="{BC670A61-036B-44F4-AE9C-10FC6D63E78D}"/>
+          </ac:spMkLst>
+        </pc:spChg>
+        <pc:spChg chg="del mod">
+          <ac:chgData name="Erik Král" userId="e92e8e71-05aa-4c44-9728-5ff1a0a20d65" providerId="ADAL" clId="{C99FE32A-0C55-45B0-BC8A-FA34FEC6275F}" dt="2020-03-18T13:08:08.766" v="327" actId="478"/>
+          <ac:spMkLst>
+            <pc:docMk/>
+            <pc:sldMk cId="2810711227" sldId="422"/>
+            <ac:spMk id="10" creationId="{1D2D47C0-D201-4BBE-A5E5-0B3BD41A22F6}"/>
+          </ac:spMkLst>
+        </pc:spChg>
+        <pc:spChg chg="del mod">
+          <ac:chgData name="Erik Král" userId="e92e8e71-05aa-4c44-9728-5ff1a0a20d65" providerId="ADAL" clId="{C99FE32A-0C55-45B0-BC8A-FA34FEC6275F}" dt="2020-03-18T13:08:08.766" v="327" actId="478"/>
+          <ac:spMkLst>
+            <pc:docMk/>
+            <pc:sldMk cId="2810711227" sldId="422"/>
+            <ac:spMk id="12" creationId="{612461D7-DC4A-425F-A9AE-CB1471933BF9}"/>
+          </ac:spMkLst>
+        </pc:spChg>
+        <pc:spChg chg="del mod">
+          <ac:chgData name="Erik Král" userId="e92e8e71-05aa-4c44-9728-5ff1a0a20d65" providerId="ADAL" clId="{C99FE32A-0C55-45B0-BC8A-FA34FEC6275F}" dt="2020-03-18T13:08:08.766" v="327" actId="478"/>
+          <ac:spMkLst>
+            <pc:docMk/>
+            <pc:sldMk cId="2810711227" sldId="422"/>
+            <ac:spMk id="13" creationId="{FA75918C-3E7B-4A11-B290-A1242D7EEC55}"/>
+          </ac:spMkLst>
+        </pc:spChg>
+        <pc:spChg chg="del mod">
+          <ac:chgData name="Erik Král" userId="e92e8e71-05aa-4c44-9728-5ff1a0a20d65" providerId="ADAL" clId="{C99FE32A-0C55-45B0-BC8A-FA34FEC6275F}" dt="2020-03-18T13:08:08.766" v="327" actId="478"/>
+          <ac:spMkLst>
+            <pc:docMk/>
+            <pc:sldMk cId="2810711227" sldId="422"/>
+            <ac:spMk id="14" creationId="{E31797FA-DEA6-48A5-AC22-933A2239A647}"/>
+          </ac:spMkLst>
+        </pc:spChg>
+        <pc:spChg chg="del mod">
+          <ac:chgData name="Erik Král" userId="e92e8e71-05aa-4c44-9728-5ff1a0a20d65" providerId="ADAL" clId="{C99FE32A-0C55-45B0-BC8A-FA34FEC6275F}" dt="2020-03-18T13:08:08.766" v="327" actId="478"/>
+          <ac:spMkLst>
+            <pc:docMk/>
+            <pc:sldMk cId="2810711227" sldId="422"/>
+            <ac:spMk id="15" creationId="{154E8E40-4353-44BB-9F90-DF46C42A1000}"/>
+          </ac:spMkLst>
+        </pc:spChg>
+        <pc:spChg chg="del mod">
+          <ac:chgData name="Erik Král" userId="e92e8e71-05aa-4c44-9728-5ff1a0a20d65" providerId="ADAL" clId="{C99FE32A-0C55-45B0-BC8A-FA34FEC6275F}" dt="2020-03-18T13:08:08.766" v="327" actId="478"/>
+          <ac:spMkLst>
+            <pc:docMk/>
+            <pc:sldMk cId="2810711227" sldId="422"/>
+            <ac:spMk id="16" creationId="{DA89675A-C1FD-4160-9787-06CB03D992EC}"/>
+          </ac:spMkLst>
+        </pc:spChg>
+        <pc:spChg chg="del mod">
+          <ac:chgData name="Erik Král" userId="e92e8e71-05aa-4c44-9728-5ff1a0a20d65" providerId="ADAL" clId="{C99FE32A-0C55-45B0-BC8A-FA34FEC6275F}" dt="2020-03-18T13:08:08.766" v="327" actId="478"/>
+          <ac:spMkLst>
+            <pc:docMk/>
+            <pc:sldMk cId="2810711227" sldId="422"/>
+            <ac:spMk id="17" creationId="{B48209AA-A8F2-44E4-91B8-37F03DD3D5AB}"/>
+          </ac:spMkLst>
+        </pc:spChg>
+        <pc:spChg chg="add del mod">
+          <ac:chgData name="Erik Král" userId="e92e8e71-05aa-4c44-9728-5ff1a0a20d65" providerId="ADAL" clId="{C99FE32A-0C55-45B0-BC8A-FA34FEC6275F}" dt="2020-03-18T13:08:08.766" v="327" actId="478"/>
+          <ac:spMkLst>
+            <pc:docMk/>
+            <pc:sldMk cId="2810711227" sldId="422"/>
+            <ac:spMk id="18" creationId="{32D95C19-1E62-47E2-9464-ED4E9926FA35}"/>
+          </ac:spMkLst>
+        </pc:spChg>
+        <pc:spChg chg="add del mod">
+          <ac:chgData name="Erik Král" userId="e92e8e71-05aa-4c44-9728-5ff1a0a20d65" providerId="ADAL" clId="{C99FE32A-0C55-45B0-BC8A-FA34FEC6275F}" dt="2020-03-18T13:08:08.766" v="327" actId="478"/>
+          <ac:spMkLst>
+            <pc:docMk/>
+            <pc:sldMk cId="2810711227" sldId="422"/>
+            <ac:spMk id="19" creationId="{5991664A-27DE-49E2-9DC6-750FE8022B91}"/>
+          </ac:spMkLst>
+        </pc:spChg>
+        <pc:spChg chg="add del mod">
+          <ac:chgData name="Erik Král" userId="e92e8e71-05aa-4c44-9728-5ff1a0a20d65" providerId="ADAL" clId="{C99FE32A-0C55-45B0-BC8A-FA34FEC6275F}" dt="2020-03-18T13:08:08.766" v="327" actId="478"/>
+          <ac:spMkLst>
+            <pc:docMk/>
+            <pc:sldMk cId="2810711227" sldId="422"/>
+            <ac:spMk id="20" creationId="{FCB360D7-B05C-4F1A-A50A-2B22DEA3EE1A}"/>
+          </ac:spMkLst>
+        </pc:spChg>
+        <pc:spChg chg="del mod">
+          <ac:chgData name="Erik Král" userId="e92e8e71-05aa-4c44-9728-5ff1a0a20d65" providerId="ADAL" clId="{C99FE32A-0C55-45B0-BC8A-FA34FEC6275F}" dt="2020-03-18T13:08:08.766" v="327" actId="478"/>
+          <ac:spMkLst>
+            <pc:docMk/>
+            <pc:sldMk cId="2810711227" sldId="422"/>
+            <ac:spMk id="21" creationId="{E61A8C46-6056-423B-9947-94120B074273}"/>
+          </ac:spMkLst>
+        </pc:spChg>
+        <pc:spChg chg="del mod">
+          <ac:chgData name="Erik Král" userId="e92e8e71-05aa-4c44-9728-5ff1a0a20d65" providerId="ADAL" clId="{C99FE32A-0C55-45B0-BC8A-FA34FEC6275F}" dt="2020-03-18T13:08:08.766" v="327" actId="478"/>
+          <ac:spMkLst>
+            <pc:docMk/>
+            <pc:sldMk cId="2810711227" sldId="422"/>
+            <ac:spMk id="22" creationId="{B7E51456-5F44-45C8-91A1-06FF13F98914}"/>
+          </ac:spMkLst>
+        </pc:spChg>
+        <pc:spChg chg="add del mod">
+          <ac:chgData name="Erik Král" userId="e92e8e71-05aa-4c44-9728-5ff1a0a20d65" providerId="ADAL" clId="{C99FE32A-0C55-45B0-BC8A-FA34FEC6275F}" dt="2020-03-18T13:08:08.766" v="327" actId="478"/>
+          <ac:spMkLst>
+            <pc:docMk/>
+            <pc:sldMk cId="2810711227" sldId="422"/>
+            <ac:spMk id="23" creationId="{5BE9C815-B2B0-4B11-8959-293CDD75CFCD}"/>
+          </ac:spMkLst>
+        </pc:spChg>
+      </pc:sldChg>
+      <pc:sldChg chg="modSp add del">
+        <pc:chgData name="Erik Král" userId="e92e8e71-05aa-4c44-9728-5ff1a0a20d65" providerId="ADAL" clId="{C99FE32A-0C55-45B0-BC8A-FA34FEC6275F}" dt="2020-03-18T13:08:46.831" v="337" actId="2696"/>
+        <pc:sldMkLst>
+          <pc:docMk/>
+          <pc:sldMk cId="1520148682" sldId="423"/>
+        </pc:sldMkLst>
+        <pc:spChg chg="mod">
+          <ac:chgData name="Erik Král" userId="e92e8e71-05aa-4c44-9728-5ff1a0a20d65" providerId="ADAL" clId="{C99FE32A-0C55-45B0-BC8A-FA34FEC6275F}" dt="2020-03-18T13:08:17.806" v="329" actId="207"/>
+          <ac:spMkLst>
+            <pc:docMk/>
+            <pc:sldMk cId="1520148682" sldId="423"/>
+            <ac:spMk id="4" creationId="{CEC0D4D6-913C-4A89-A632-6C2B411BB56A}"/>
+          </ac:spMkLst>
+        </pc:spChg>
+      </pc:sldChg>
+      <pc:sldChg chg="delSp modSp add">
+        <pc:chgData name="Erik Král" userId="e92e8e71-05aa-4c44-9728-5ff1a0a20d65" providerId="ADAL" clId="{C99FE32A-0C55-45B0-BC8A-FA34FEC6275F}" dt="2020-03-18T13:20:06.068" v="465" actId="478"/>
+        <pc:sldMkLst>
+          <pc:docMk/>
+          <pc:sldMk cId="3597574756" sldId="424"/>
+        </pc:sldMkLst>
+        <pc:spChg chg="mod">
+          <ac:chgData name="Erik Král" userId="e92e8e71-05aa-4c44-9728-5ff1a0a20d65" providerId="ADAL" clId="{C99FE32A-0C55-45B0-BC8A-FA34FEC6275F}" dt="2020-03-18T13:08:55.158" v="339" actId="207"/>
+          <ac:spMkLst>
+            <pc:docMk/>
+            <pc:sldMk cId="3597574756" sldId="424"/>
+            <ac:spMk id="4" creationId="{CEC0D4D6-913C-4A89-A632-6C2B411BB56A}"/>
+          </ac:spMkLst>
+        </pc:spChg>
+        <pc:spChg chg="mod">
+          <ac:chgData name="Erik Král" userId="e92e8e71-05aa-4c44-9728-5ff1a0a20d65" providerId="ADAL" clId="{C99FE32A-0C55-45B0-BC8A-FA34FEC6275F}" dt="2020-03-18T13:09:13.799" v="341" actId="208"/>
+          <ac:spMkLst>
+            <pc:docMk/>
+            <pc:sldMk cId="3597574756" sldId="424"/>
+            <ac:spMk id="9" creationId="{BC670A61-036B-44F4-AE9C-10FC6D63E78D}"/>
+          </ac:spMkLst>
+        </pc:spChg>
+        <pc:spChg chg="mod">
+          <ac:chgData name="Erik Král" userId="e92e8e71-05aa-4c44-9728-5ff1a0a20d65" providerId="ADAL" clId="{C99FE32A-0C55-45B0-BC8A-FA34FEC6275F}" dt="2020-03-18T13:09:03.776" v="340" actId="207"/>
+          <ac:spMkLst>
+            <pc:docMk/>
+            <pc:sldMk cId="3597574756" sldId="424"/>
+            <ac:spMk id="10" creationId="{1D2D47C0-D201-4BBE-A5E5-0B3BD41A22F6}"/>
+          </ac:spMkLst>
+        </pc:spChg>
+        <pc:spChg chg="mod">
+          <ac:chgData name="Erik Král" userId="e92e8e71-05aa-4c44-9728-5ff1a0a20d65" providerId="ADAL" clId="{C99FE32A-0C55-45B0-BC8A-FA34FEC6275F}" dt="2020-03-18T13:09:13.799" v="341" actId="208"/>
+          <ac:spMkLst>
+            <pc:docMk/>
+            <pc:sldMk cId="3597574756" sldId="424"/>
+            <ac:spMk id="12" creationId="{612461D7-DC4A-425F-A9AE-CB1471933BF9}"/>
+          </ac:spMkLst>
+        </pc:spChg>
+        <pc:spChg chg="mod">
+          <ac:chgData name="Erik Král" userId="e92e8e71-05aa-4c44-9728-5ff1a0a20d65" providerId="ADAL" clId="{C99FE32A-0C55-45B0-BC8A-FA34FEC6275F}" dt="2020-03-18T13:09:03.776" v="340" actId="207"/>
+          <ac:spMkLst>
+            <pc:docMk/>
+            <pc:sldMk cId="3597574756" sldId="424"/>
+            <ac:spMk id="13" creationId="{FA75918C-3E7B-4A11-B290-A1242D7EEC55}"/>
+          </ac:spMkLst>
+        </pc:spChg>
+        <pc:spChg chg="mod ord">
+          <ac:chgData name="Erik Král" userId="e92e8e71-05aa-4c44-9728-5ff1a0a20d65" providerId="ADAL" clId="{C99FE32A-0C55-45B0-BC8A-FA34FEC6275F}" dt="2020-03-18T13:09:19.887" v="342" actId="166"/>
+          <ac:spMkLst>
+            <pc:docMk/>
+            <pc:sldMk cId="3597574756" sldId="424"/>
+            <ac:spMk id="14" creationId="{E31797FA-DEA6-48A5-AC22-933A2239A647}"/>
+          </ac:spMkLst>
+        </pc:spChg>
+        <pc:spChg chg="mod">
+          <ac:chgData name="Erik Král" userId="e92e8e71-05aa-4c44-9728-5ff1a0a20d65" providerId="ADAL" clId="{C99FE32A-0C55-45B0-BC8A-FA34FEC6275F}" dt="2020-03-18T13:09:03.776" v="340" actId="207"/>
+          <ac:spMkLst>
+            <pc:docMk/>
+            <pc:sldMk cId="3597574756" sldId="424"/>
+            <ac:spMk id="15" creationId="{154E8E40-4353-44BB-9F90-DF46C42A1000}"/>
+          </ac:spMkLst>
+        </pc:spChg>
+        <pc:spChg chg="del">
+          <ac:chgData name="Erik Král" userId="e92e8e71-05aa-4c44-9728-5ff1a0a20d65" providerId="ADAL" clId="{C99FE32A-0C55-45B0-BC8A-FA34FEC6275F}" dt="2020-03-18T13:20:06.068" v="465" actId="478"/>
+          <ac:spMkLst>
+            <pc:docMk/>
+            <pc:sldMk cId="3597574756" sldId="424"/>
+            <ac:spMk id="16" creationId="{DA89675A-C1FD-4160-9787-06CB03D992EC}"/>
+          </ac:spMkLst>
+        </pc:spChg>
+        <pc:spChg chg="del mod">
+          <ac:chgData name="Erik Král" userId="e92e8e71-05aa-4c44-9728-5ff1a0a20d65" providerId="ADAL" clId="{C99FE32A-0C55-45B0-BC8A-FA34FEC6275F}" dt="2020-03-18T13:20:06.068" v="465" actId="478"/>
+          <ac:spMkLst>
+            <pc:docMk/>
+            <pc:sldMk cId="3597574756" sldId="424"/>
+            <ac:spMk id="17" creationId="{B48209AA-A8F2-44E4-91B8-37F03DD3D5AB}"/>
+          </ac:spMkLst>
+        </pc:spChg>
+        <pc:spChg chg="del">
+          <ac:chgData name="Erik Král" userId="e92e8e71-05aa-4c44-9728-5ff1a0a20d65" providerId="ADAL" clId="{C99FE32A-0C55-45B0-BC8A-FA34FEC6275F}" dt="2020-03-18T13:20:06.068" v="465" actId="478"/>
+          <ac:spMkLst>
+            <pc:docMk/>
+            <pc:sldMk cId="3597574756" sldId="424"/>
+            <ac:spMk id="18" creationId="{32D95C19-1E62-47E2-9464-ED4E9926FA35}"/>
+          </ac:spMkLst>
+        </pc:spChg>
+        <pc:spChg chg="del mod">
+          <ac:chgData name="Erik Král" userId="e92e8e71-05aa-4c44-9728-5ff1a0a20d65" providerId="ADAL" clId="{C99FE32A-0C55-45B0-BC8A-FA34FEC6275F}" dt="2020-03-18T13:20:06.068" v="465" actId="478"/>
+          <ac:spMkLst>
+            <pc:docMk/>
+            <pc:sldMk cId="3597574756" sldId="424"/>
+            <ac:spMk id="19" creationId="{5991664A-27DE-49E2-9DC6-750FE8022B91}"/>
+          </ac:spMkLst>
+        </pc:spChg>
+        <pc:spChg chg="del">
+          <ac:chgData name="Erik Král" userId="e92e8e71-05aa-4c44-9728-5ff1a0a20d65" providerId="ADAL" clId="{C99FE32A-0C55-45B0-BC8A-FA34FEC6275F}" dt="2020-03-18T13:20:06.068" v="465" actId="478"/>
+          <ac:spMkLst>
+            <pc:docMk/>
+            <pc:sldMk cId="3597574756" sldId="424"/>
+            <ac:spMk id="20" creationId="{FCB360D7-B05C-4F1A-A50A-2B22DEA3EE1A}"/>
+          </ac:spMkLst>
+        </pc:spChg>
+        <pc:spChg chg="mod">
+          <ac:chgData name="Erik Král" userId="e92e8e71-05aa-4c44-9728-5ff1a0a20d65" providerId="ADAL" clId="{C99FE32A-0C55-45B0-BC8A-FA34FEC6275F}" dt="2020-03-18T13:09:13.799" v="341" actId="208"/>
+          <ac:spMkLst>
+            <pc:docMk/>
+            <pc:sldMk cId="3597574756" sldId="424"/>
+            <ac:spMk id="21" creationId="{E61A8C46-6056-423B-9947-94120B074273}"/>
+          </ac:spMkLst>
+        </pc:spChg>
+        <pc:spChg chg="mod">
+          <ac:chgData name="Erik Král" userId="e92e8e71-05aa-4c44-9728-5ff1a0a20d65" providerId="ADAL" clId="{C99FE32A-0C55-45B0-BC8A-FA34FEC6275F}" dt="2020-03-18T13:09:03.776" v="340" actId="207"/>
+          <ac:spMkLst>
+            <pc:docMk/>
+            <pc:sldMk cId="3597574756" sldId="424"/>
+            <ac:spMk id="22" creationId="{B7E51456-5F44-45C8-91A1-06FF13F98914}"/>
+          </ac:spMkLst>
+        </pc:spChg>
+        <pc:spChg chg="del mod">
+          <ac:chgData name="Erik Král" userId="e92e8e71-05aa-4c44-9728-5ff1a0a20d65" providerId="ADAL" clId="{C99FE32A-0C55-45B0-BC8A-FA34FEC6275F}" dt="2020-03-18T13:20:06.068" v="465" actId="478"/>
+          <ac:spMkLst>
+            <pc:docMk/>
+            <pc:sldMk cId="3597574756" sldId="424"/>
+            <ac:spMk id="23" creationId="{5BE9C815-B2B0-4B11-8959-293CDD75CFCD}"/>
+          </ac:spMkLst>
+        </pc:spChg>
+      </pc:sldChg>
+      <pc:sldChg chg="addSp delSp modSp add">
+        <pc:chgData name="Erik Král" userId="e92e8e71-05aa-4c44-9728-5ff1a0a20d65" providerId="ADAL" clId="{C99FE32A-0C55-45B0-BC8A-FA34FEC6275F}" dt="2020-03-18T13:11:29.273" v="384" actId="208"/>
+        <pc:sldMkLst>
+          <pc:docMk/>
+          <pc:sldMk cId="2230914095" sldId="425"/>
+        </pc:sldMkLst>
+        <pc:spChg chg="mod">
+          <ac:chgData name="Erik Král" userId="e92e8e71-05aa-4c44-9728-5ff1a0a20d65" providerId="ADAL" clId="{C99FE32A-0C55-45B0-BC8A-FA34FEC6275F}" dt="2020-03-18T13:09:45.382" v="345" actId="207"/>
+          <ac:spMkLst>
+            <pc:docMk/>
+            <pc:sldMk cId="2230914095" sldId="425"/>
+            <ac:spMk id="4" creationId="{CEC0D4D6-913C-4A89-A632-6C2B411BB56A}"/>
+          </ac:spMkLst>
+        </pc:spChg>
+        <pc:spChg chg="mod ord">
+          <ac:chgData name="Erik Král" userId="e92e8e71-05aa-4c44-9728-5ff1a0a20d65" providerId="ADAL" clId="{C99FE32A-0C55-45B0-BC8A-FA34FEC6275F}" dt="2020-03-18T13:10:19.052" v="375" actId="208"/>
+          <ac:spMkLst>
+            <pc:docMk/>
+            <pc:sldMk cId="2230914095" sldId="425"/>
+            <ac:spMk id="14" creationId="{E31797FA-DEA6-48A5-AC22-933A2239A647}"/>
+          </ac:spMkLst>
+        </pc:spChg>
+        <pc:spChg chg="mod">
+          <ac:chgData name="Erik Král" userId="e92e8e71-05aa-4c44-9728-5ff1a0a20d65" providerId="ADAL" clId="{C99FE32A-0C55-45B0-BC8A-FA34FEC6275F}" dt="2020-03-18T13:09:48.756" v="346" actId="207"/>
+          <ac:spMkLst>
+            <pc:docMk/>
+            <pc:sldMk cId="2230914095" sldId="425"/>
+            <ac:spMk id="15" creationId="{154E8E40-4353-44BB-9F90-DF46C42A1000}"/>
+          </ac:spMkLst>
+        </pc:spChg>
+        <pc:spChg chg="mod">
+          <ac:chgData name="Erik Král" userId="e92e8e71-05aa-4c44-9728-5ff1a0a20d65" providerId="ADAL" clId="{C99FE32A-0C55-45B0-BC8A-FA34FEC6275F}" dt="2020-03-18T13:10:34.646" v="377" actId="208"/>
+          <ac:spMkLst>
+            <pc:docMk/>
+            <pc:sldMk cId="2230914095" sldId="425"/>
+            <ac:spMk id="16" creationId="{DA89675A-C1FD-4160-9787-06CB03D992EC}"/>
+          </ac:spMkLst>
+        </pc:spChg>
+        <pc:spChg chg="mod">
+          <ac:chgData name="Erik Král" userId="e92e8e71-05aa-4c44-9728-5ff1a0a20d65" providerId="ADAL" clId="{C99FE32A-0C55-45B0-BC8A-FA34FEC6275F}" dt="2020-03-18T13:10:28.711" v="376" actId="207"/>
+          <ac:spMkLst>
+            <pc:docMk/>
+            <pc:sldMk cId="2230914095" sldId="425"/>
+            <ac:spMk id="17" creationId="{B48209AA-A8F2-44E4-91B8-37F03DD3D5AB}"/>
+          </ac:spMkLst>
+        </pc:spChg>
+        <pc:spChg chg="del">
+          <ac:chgData name="Erik Král" userId="e92e8e71-05aa-4c44-9728-5ff1a0a20d65" providerId="ADAL" clId="{C99FE32A-0C55-45B0-BC8A-FA34FEC6275F}" dt="2020-03-18T13:09:41.273" v="344" actId="478"/>
+          <ac:spMkLst>
+            <pc:docMk/>
+            <pc:sldMk cId="2230914095" sldId="425"/>
+            <ac:spMk id="18" creationId="{32D95C19-1E62-47E2-9464-ED4E9926FA35}"/>
+          </ac:spMkLst>
+        </pc:spChg>
+        <pc:spChg chg="del">
+          <ac:chgData name="Erik Král" userId="e92e8e71-05aa-4c44-9728-5ff1a0a20d65" providerId="ADAL" clId="{C99FE32A-0C55-45B0-BC8A-FA34FEC6275F}" dt="2020-03-18T13:09:41.273" v="344" actId="478"/>
+          <ac:spMkLst>
+            <pc:docMk/>
+            <pc:sldMk cId="2230914095" sldId="425"/>
+            <ac:spMk id="19" creationId="{5991664A-27DE-49E2-9DC6-750FE8022B91}"/>
+          </ac:spMkLst>
+        </pc:spChg>
+        <pc:spChg chg="del">
+          <ac:chgData name="Erik Král" userId="e92e8e71-05aa-4c44-9728-5ff1a0a20d65" providerId="ADAL" clId="{C99FE32A-0C55-45B0-BC8A-FA34FEC6275F}" dt="2020-03-18T13:09:41.273" v="344" actId="478"/>
+          <ac:spMkLst>
+            <pc:docMk/>
+            <pc:sldMk cId="2230914095" sldId="425"/>
+            <ac:spMk id="20" creationId="{FCB360D7-B05C-4F1A-A50A-2B22DEA3EE1A}"/>
+          </ac:spMkLst>
+        </pc:spChg>
+        <pc:spChg chg="del">
+          <ac:chgData name="Erik Král" userId="e92e8e71-05aa-4c44-9728-5ff1a0a20d65" providerId="ADAL" clId="{C99FE32A-0C55-45B0-BC8A-FA34FEC6275F}" dt="2020-03-18T13:09:41.273" v="344" actId="478"/>
+          <ac:spMkLst>
+            <pc:docMk/>
+            <pc:sldMk cId="2230914095" sldId="425"/>
+            <ac:spMk id="23" creationId="{5BE9C815-B2B0-4B11-8959-293CDD75CFCD}"/>
+          </ac:spMkLst>
+        </pc:spChg>
+        <pc:cxnChg chg="add mod">
+          <ac:chgData name="Erik Král" userId="e92e8e71-05aa-4c44-9728-5ff1a0a20d65" providerId="ADAL" clId="{C99FE32A-0C55-45B0-BC8A-FA34FEC6275F}" dt="2020-03-18T13:11:29.273" v="384" actId="208"/>
+          <ac:cxnSpMkLst>
+            <pc:docMk/>
+            <pc:sldMk cId="2230914095" sldId="425"/>
+            <ac:cxnSpMk id="7" creationId="{38C2B6FE-06DF-448A-9DBA-0E0232CF4BD5}"/>
+          </ac:cxnSpMkLst>
+        </pc:cxnChg>
+      </pc:sldChg>
+      <pc:sldChg chg="addSp delSp modSp add">
+        <pc:chgData name="Erik Král" userId="e92e8e71-05aa-4c44-9728-5ff1a0a20d65" providerId="ADAL" clId="{C99FE32A-0C55-45B0-BC8A-FA34FEC6275F}" dt="2020-03-18T13:14:09.788" v="418" actId="20577"/>
+        <pc:sldMkLst>
+          <pc:docMk/>
+          <pc:sldMk cId="830338680" sldId="426"/>
+        </pc:sldMkLst>
+        <pc:spChg chg="mod">
+          <ac:chgData name="Erik Král" userId="e92e8e71-05aa-4c44-9728-5ff1a0a20d65" providerId="ADAL" clId="{C99FE32A-0C55-45B0-BC8A-FA34FEC6275F}" dt="2020-03-18T13:10:48.787" v="379" actId="207"/>
+          <ac:spMkLst>
+            <pc:docMk/>
+            <pc:sldMk cId="830338680" sldId="426"/>
+            <ac:spMk id="4" creationId="{CEC0D4D6-913C-4A89-A632-6C2B411BB56A}"/>
+          </ac:spMkLst>
+        </pc:spChg>
+        <pc:spChg chg="mod ord">
+          <ac:chgData name="Erik Král" userId="e92e8e71-05aa-4c44-9728-5ff1a0a20d65" providerId="ADAL" clId="{C99FE32A-0C55-45B0-BC8A-FA34FEC6275F}" dt="2020-03-18T13:11:04.413" v="382" actId="166"/>
+          <ac:spMkLst>
+            <pc:docMk/>
+            <pc:sldMk cId="830338680" sldId="426"/>
+            <ac:spMk id="18" creationId="{32D95C19-1E62-47E2-9464-ED4E9926FA35}"/>
+          </ac:spMkLst>
+        </pc:spChg>
+        <pc:spChg chg="mod">
+          <ac:chgData name="Erik Král" userId="e92e8e71-05aa-4c44-9728-5ff1a0a20d65" providerId="ADAL" clId="{C99FE32A-0C55-45B0-BC8A-FA34FEC6275F}" dt="2020-03-18T13:14:09.788" v="418" actId="20577"/>
+          <ac:spMkLst>
+            <pc:docMk/>
+            <pc:sldMk cId="830338680" sldId="426"/>
+            <ac:spMk id="19" creationId="{5991664A-27DE-49E2-9DC6-750FE8022B91}"/>
+          </ac:spMkLst>
+        </pc:spChg>
+        <pc:spChg chg="del">
+          <ac:chgData name="Erik Král" userId="e92e8e71-05aa-4c44-9728-5ff1a0a20d65" providerId="ADAL" clId="{C99FE32A-0C55-45B0-BC8A-FA34FEC6275F}" dt="2020-03-18T13:12:02.478" v="387" actId="478"/>
+          <ac:spMkLst>
+            <pc:docMk/>
+            <pc:sldMk cId="830338680" sldId="426"/>
+            <ac:spMk id="20" creationId="{FCB360D7-B05C-4F1A-A50A-2B22DEA3EE1A}"/>
+          </ac:spMkLst>
+        </pc:spChg>
+        <pc:spChg chg="del">
+          <ac:chgData name="Erik Král" userId="e92e8e71-05aa-4c44-9728-5ff1a0a20d65" providerId="ADAL" clId="{C99FE32A-0C55-45B0-BC8A-FA34FEC6275F}" dt="2020-03-18T13:12:02.478" v="387" actId="478"/>
+          <ac:spMkLst>
+            <pc:docMk/>
+            <pc:sldMk cId="830338680" sldId="426"/>
+            <ac:spMk id="23" creationId="{5BE9C815-B2B0-4B11-8959-293CDD75CFCD}"/>
+          </ac:spMkLst>
+        </pc:spChg>
+        <pc:cxnChg chg="add mod">
+          <ac:chgData name="Erik Král" userId="e92e8e71-05aa-4c44-9728-5ff1a0a20d65" providerId="ADAL" clId="{C99FE32A-0C55-45B0-BC8A-FA34FEC6275F}" dt="2020-03-18T13:12:12.779" v="389" actId="14100"/>
+          <ac:cxnSpMkLst>
+            <pc:docMk/>
+            <pc:sldMk cId="830338680" sldId="426"/>
+            <ac:cxnSpMk id="24" creationId="{9FFFC1AC-FAD2-4064-97A4-BC4C23BB1825}"/>
+          </ac:cxnSpMkLst>
+        </pc:cxnChg>
+      </pc:sldChg>
+      <pc:sldChg chg="addSp delSp modSp add">
+        <pc:chgData name="Erik Král" userId="e92e8e71-05aa-4c44-9728-5ff1a0a20d65" providerId="ADAL" clId="{C99FE32A-0C55-45B0-BC8A-FA34FEC6275F}" dt="2020-03-18T13:17:44.337" v="453" actId="478"/>
+        <pc:sldMkLst>
+          <pc:docMk/>
+          <pc:sldMk cId="617571108" sldId="427"/>
+        </pc:sldMkLst>
+        <pc:spChg chg="add mod ord">
+          <ac:chgData name="Erik Král" userId="e92e8e71-05aa-4c44-9728-5ff1a0a20d65" providerId="ADAL" clId="{C99FE32A-0C55-45B0-BC8A-FA34FEC6275F}" dt="2020-03-18T13:16:05.148" v="430" actId="20577"/>
+          <ac:spMkLst>
+            <pc:docMk/>
+            <pc:sldMk cId="617571108" sldId="427"/>
+            <ac:spMk id="3" creationId="{E45BF781-9CC0-470B-9969-F3C8B4F8663E}"/>
+          </ac:spMkLst>
+        </pc:spChg>
+        <pc:spChg chg="mod">
+          <ac:chgData name="Erik Král" userId="e92e8e71-05aa-4c44-9728-5ff1a0a20d65" providerId="ADAL" clId="{C99FE32A-0C55-45B0-BC8A-FA34FEC6275F}" dt="2020-03-18T13:16:45.624" v="439" actId="207"/>
+          <ac:spMkLst>
+            <pc:docMk/>
+            <pc:sldMk cId="617571108" sldId="427"/>
+            <ac:spMk id="4" creationId="{CEC0D4D6-913C-4A89-A632-6C2B411BB56A}"/>
+          </ac:spMkLst>
+        </pc:spChg>
+        <pc:spChg chg="mod">
+          <ac:chgData name="Erik Král" userId="e92e8e71-05aa-4c44-9728-5ff1a0a20d65" providerId="ADAL" clId="{C99FE32A-0C55-45B0-BC8A-FA34FEC6275F}" dt="2020-03-18T13:15:38.476" v="426" actId="1076"/>
+          <ac:spMkLst>
+            <pc:docMk/>
+            <pc:sldMk cId="617571108" sldId="427"/>
+            <ac:spMk id="6" creationId="{9C413DFC-1812-4627-973D-A7937722D961}"/>
+          </ac:spMkLst>
+        </pc:spChg>
+        <pc:spChg chg="add mod">
+          <ac:chgData name="Erik Král" userId="e92e8e71-05aa-4c44-9728-5ff1a0a20d65" providerId="ADAL" clId="{C99FE32A-0C55-45B0-BC8A-FA34FEC6275F}" dt="2020-03-18T13:16:51.693" v="440" actId="207"/>
+          <ac:spMkLst>
+            <pc:docMk/>
+            <pc:sldMk cId="617571108" sldId="427"/>
+            <ac:spMk id="7" creationId="{34A2B319-7D7A-4009-B4A2-07A0109B1D4A}"/>
+          </ac:spMkLst>
+        </pc:spChg>
+        <pc:spChg chg="mod">
+          <ac:chgData name="Erik Král" userId="e92e8e71-05aa-4c44-9728-5ff1a0a20d65" providerId="ADAL" clId="{C99FE32A-0C55-45B0-BC8A-FA34FEC6275F}" dt="2020-03-18T13:13:34.874" v="400" actId="20577"/>
+          <ac:spMkLst>
+            <pc:docMk/>
+            <pc:sldMk cId="617571108" sldId="427"/>
+            <ac:spMk id="19" creationId="{5991664A-27DE-49E2-9DC6-750FE8022B91}"/>
+          </ac:spMkLst>
+        </pc:spChg>
+        <pc:spChg chg="del mod">
+          <ac:chgData name="Erik Král" userId="e92e8e71-05aa-4c44-9728-5ff1a0a20d65" providerId="ADAL" clId="{C99FE32A-0C55-45B0-BC8A-FA34FEC6275F}" dt="2020-03-18T13:17:44.337" v="453" actId="478"/>
+          <ac:spMkLst>
+            <pc:docMk/>
+            <pc:sldMk cId="617571108" sldId="427"/>
+            <ac:spMk id="20" creationId="{FCB360D7-B05C-4F1A-A50A-2B22DEA3EE1A}"/>
+          </ac:spMkLst>
+        </pc:spChg>
+        <pc:spChg chg="del mod">
+          <ac:chgData name="Erik Král" userId="e92e8e71-05aa-4c44-9728-5ff1a0a20d65" providerId="ADAL" clId="{C99FE32A-0C55-45B0-BC8A-FA34FEC6275F}" dt="2020-03-18T13:17:44.337" v="453" actId="478"/>
+          <ac:spMkLst>
+            <pc:docMk/>
+            <pc:sldMk cId="617571108" sldId="427"/>
+            <ac:spMk id="23" creationId="{5BE9C815-B2B0-4B11-8959-293CDD75CFCD}"/>
+          </ac:spMkLst>
+        </pc:spChg>
+      </pc:sldChg>
+      <pc:sldChg chg="addSp delSp modSp add">
+        <pc:chgData name="Erik Král" userId="e92e8e71-05aa-4c44-9728-5ff1a0a20d65" providerId="ADAL" clId="{C99FE32A-0C55-45B0-BC8A-FA34FEC6275F}" dt="2020-03-18T13:18:56.844" v="461" actId="207"/>
+        <pc:sldMkLst>
+          <pc:docMk/>
+          <pc:sldMk cId="1289424326" sldId="428"/>
+        </pc:sldMkLst>
+        <pc:spChg chg="mod">
+          <ac:chgData name="Erik Král" userId="e92e8e71-05aa-4c44-9728-5ff1a0a20d65" providerId="ADAL" clId="{C99FE32A-0C55-45B0-BC8A-FA34FEC6275F}" dt="2020-03-18T13:18:52.682" v="460" actId="207"/>
+          <ac:spMkLst>
+            <pc:docMk/>
+            <pc:sldMk cId="1289424326" sldId="428"/>
+            <ac:spMk id="4" creationId="{CEC0D4D6-913C-4A89-A632-6C2B411BB56A}"/>
+          </ac:spMkLst>
+        </pc:spChg>
+        <pc:spChg chg="mod">
+          <ac:chgData name="Erik Král" userId="e92e8e71-05aa-4c44-9728-5ff1a0a20d65" providerId="ADAL" clId="{C99FE32A-0C55-45B0-BC8A-FA34FEC6275F}" dt="2020-03-18T13:14:00.562" v="410" actId="20577"/>
+          <ac:spMkLst>
+            <pc:docMk/>
+            <pc:sldMk cId="1289424326" sldId="428"/>
+            <ac:spMk id="19" creationId="{5991664A-27DE-49E2-9DC6-750FE8022B91}"/>
+          </ac:spMkLst>
+        </pc:spChg>
+        <pc:spChg chg="mod">
+          <ac:chgData name="Erik Král" userId="e92e8e71-05aa-4c44-9728-5ff1a0a20d65" providerId="ADAL" clId="{C99FE32A-0C55-45B0-BC8A-FA34FEC6275F}" dt="2020-03-18T13:18:56.844" v="461" actId="207"/>
+          <ac:spMkLst>
+            <pc:docMk/>
+            <pc:sldMk cId="1289424326" sldId="428"/>
+            <ac:spMk id="20" creationId="{FCB360D7-B05C-4F1A-A50A-2B22DEA3EE1A}"/>
+          </ac:spMkLst>
+        </pc:spChg>
+        <pc:spChg chg="mod">
+          <ac:chgData name="Erik Král" userId="e92e8e71-05aa-4c44-9728-5ff1a0a20d65" providerId="ADAL" clId="{C99FE32A-0C55-45B0-BC8A-FA34FEC6275F}" dt="2020-03-18T13:14:04.839" v="414" actId="20577"/>
+          <ac:spMkLst>
+            <pc:docMk/>
+            <pc:sldMk cId="1289424326" sldId="428"/>
+            <ac:spMk id="23" creationId="{5BE9C815-B2B0-4B11-8959-293CDD75CFCD}"/>
+          </ac:spMkLst>
+        </pc:spChg>
+        <pc:spChg chg="add del">
+          <ac:chgData name="Erik Král" userId="e92e8e71-05aa-4c44-9728-5ff1a0a20d65" providerId="ADAL" clId="{C99FE32A-0C55-45B0-BC8A-FA34FEC6275F}" dt="2020-03-18T13:18:12.195" v="455" actId="478"/>
+          <ac:spMkLst>
+            <pc:docMk/>
+            <pc:sldMk cId="1289424326" sldId="428"/>
+            <ac:spMk id="24" creationId="{B5BCBB6F-8011-4AD2-A343-240B9314DAC7}"/>
+          </ac:spMkLst>
+        </pc:spChg>
+        <pc:spChg chg="add del">
+          <ac:chgData name="Erik Král" userId="e92e8e71-05aa-4c44-9728-5ff1a0a20d65" providerId="ADAL" clId="{C99FE32A-0C55-45B0-BC8A-FA34FEC6275F}" dt="2020-03-18T13:18:12.195" v="455" actId="478"/>
+          <ac:spMkLst>
+            <pc:docMk/>
+            <pc:sldMk cId="1289424326" sldId="428"/>
+            <ac:spMk id="25" creationId="{2179E4EC-F47E-4655-B777-074E6F02345E}"/>
+          </ac:spMkLst>
+        </pc:spChg>
+      </pc:sldChg>
+      <pc:sldChg chg="addSp modSp add">
+        <pc:chgData name="Erik Král" userId="e92e8e71-05aa-4c44-9728-5ff1a0a20d65" providerId="ADAL" clId="{C99FE32A-0C55-45B0-BC8A-FA34FEC6275F}" dt="2020-03-18T13:18:36.720" v="459" actId="14100"/>
+        <pc:sldMkLst>
+          <pc:docMk/>
+          <pc:sldMk cId="443732945" sldId="429"/>
+        </pc:sldMkLst>
+        <pc:cxnChg chg="add mod">
+          <ac:chgData name="Erik Král" userId="e92e8e71-05aa-4c44-9728-5ff1a0a20d65" providerId="ADAL" clId="{C99FE32A-0C55-45B0-BC8A-FA34FEC6275F}" dt="2020-03-18T13:18:36.720" v="459" actId="14100"/>
+          <ac:cxnSpMkLst>
+            <pc:docMk/>
+            <pc:sldMk cId="443732945" sldId="429"/>
+            <ac:cxnSpMk id="24" creationId="{61D11F75-74CC-4A09-9812-F97D847D534F}"/>
+          </ac:cxnSpMkLst>
+        </pc:cxnChg>
+      </pc:sldChg>
+      <pc:sldChg chg="modSp add">
+        <pc:chgData name="Erik Král" userId="e92e8e71-05aa-4c44-9728-5ff1a0a20d65" providerId="ADAL" clId="{C99FE32A-0C55-45B0-BC8A-FA34FEC6275F}" dt="2020-03-18T13:19:08.755" v="464" actId="207"/>
+        <pc:sldMkLst>
+          <pc:docMk/>
+          <pc:sldMk cId="155081212" sldId="430"/>
+        </pc:sldMkLst>
+        <pc:spChg chg="mod">
+          <ac:chgData name="Erik Král" userId="e92e8e71-05aa-4c44-9728-5ff1a0a20d65" providerId="ADAL" clId="{C99FE32A-0C55-45B0-BC8A-FA34FEC6275F}" dt="2020-03-18T13:19:05.314" v="463" actId="207"/>
+          <ac:spMkLst>
+            <pc:docMk/>
+            <pc:sldMk cId="155081212" sldId="430"/>
+            <ac:spMk id="4" creationId="{CEC0D4D6-913C-4A89-A632-6C2B411BB56A}"/>
+          </ac:spMkLst>
+        </pc:spChg>
+        <pc:spChg chg="mod">
+          <ac:chgData name="Erik Král" userId="e92e8e71-05aa-4c44-9728-5ff1a0a20d65" providerId="ADAL" clId="{C99FE32A-0C55-45B0-BC8A-FA34FEC6275F}" dt="2020-03-18T13:19:08.755" v="464" actId="207"/>
+          <ac:spMkLst>
+            <pc:docMk/>
+            <pc:sldMk cId="155081212" sldId="430"/>
+            <ac:spMk id="20" creationId="{FCB360D7-B05C-4F1A-A50A-2B22DEA3EE1A}"/>
+          </ac:spMkLst>
+        </pc:spChg>
+      </pc:sldChg>
+    </pc:docChg>
+  </pc:docChgLst>
   <pc:docChgLst>
     <pc:chgData name="Erik Král" userId="e92e8e71-05aa-4c44-9728-5ff1a0a20d65" providerId="ADAL" clId="{DC144796-05B1-4D6C-A3D7-AFC9932FDE32}"/>
     <pc:docChg chg="undo custSel addSld delSld modSld sldOrd">
@@ -2571,803 +3361,6 @@
       </pc:sldChg>
     </pc:docChg>
   </pc:docChgLst>
-  <pc:docChgLst>
-    <pc:chgData name="Erik Král" userId="e92e8e71-05aa-4c44-9728-5ff1a0a20d65" providerId="ADAL" clId="{C99FE32A-0C55-45B0-BC8A-FA34FEC6275F}"/>
-    <pc:docChg chg="undo custSel addSld delSld modSld">
-      <pc:chgData name="Erik Král" userId="e92e8e71-05aa-4c44-9728-5ff1a0a20d65" providerId="ADAL" clId="{C99FE32A-0C55-45B0-BC8A-FA34FEC6275F}" dt="2020-03-19T10:42:08.700" v="622" actId="478"/>
-      <pc:docMkLst>
-        <pc:docMk/>
-      </pc:docMkLst>
-      <pc:sldChg chg="modSp">
-        <pc:chgData name="Erik Král" userId="e92e8e71-05aa-4c44-9728-5ff1a0a20d65" providerId="ADAL" clId="{C99FE32A-0C55-45B0-BC8A-FA34FEC6275F}" dt="2020-03-19T10:39:56.688" v="529" actId="20577"/>
-        <pc:sldMkLst>
-          <pc:docMk/>
-          <pc:sldMk cId="3410786804" sldId="280"/>
-        </pc:sldMkLst>
-        <pc:spChg chg="mod">
-          <ac:chgData name="Erik Král" userId="e92e8e71-05aa-4c44-9728-5ff1a0a20d65" providerId="ADAL" clId="{C99FE32A-0C55-45B0-BC8A-FA34FEC6275F}" dt="2020-03-19T10:39:56.688" v="529" actId="20577"/>
-          <ac:spMkLst>
-            <pc:docMk/>
-            <pc:sldMk cId="3410786804" sldId="280"/>
-            <ac:spMk id="3" creationId="{00000000-0000-0000-0000-000000000000}"/>
-          </ac:spMkLst>
-        </pc:spChg>
-      </pc:sldChg>
-      <pc:sldChg chg="modSp">
-        <pc:chgData name="Erik Král" userId="e92e8e71-05aa-4c44-9728-5ff1a0a20d65" providerId="ADAL" clId="{C99FE32A-0C55-45B0-BC8A-FA34FEC6275F}" dt="2020-03-19T10:40:23.976" v="578" actId="20577"/>
-        <pc:sldMkLst>
-          <pc:docMk/>
-          <pc:sldMk cId="324605791" sldId="377"/>
-        </pc:sldMkLst>
-        <pc:spChg chg="mod">
-          <ac:chgData name="Erik Král" userId="e92e8e71-05aa-4c44-9728-5ff1a0a20d65" providerId="ADAL" clId="{C99FE32A-0C55-45B0-BC8A-FA34FEC6275F}" dt="2020-03-19T10:40:23.976" v="578" actId="20577"/>
-          <ac:spMkLst>
-            <pc:docMk/>
-            <pc:sldMk cId="324605791" sldId="377"/>
-            <ac:spMk id="7" creationId="{F104F025-3663-467D-916A-7B24CC0055FD}"/>
-          </ac:spMkLst>
-        </pc:spChg>
-      </pc:sldChg>
-      <pc:sldChg chg="modSp">
-        <pc:chgData name="Erik Král" userId="e92e8e71-05aa-4c44-9728-5ff1a0a20d65" providerId="ADAL" clId="{C99FE32A-0C55-45B0-BC8A-FA34FEC6275F}" dt="2020-03-17T16:25:49.059" v="6" actId="114"/>
-        <pc:sldMkLst>
-          <pc:docMk/>
-          <pc:sldMk cId="3877926806" sldId="379"/>
-        </pc:sldMkLst>
-        <pc:spChg chg="mod">
-          <ac:chgData name="Erik Král" userId="e92e8e71-05aa-4c44-9728-5ff1a0a20d65" providerId="ADAL" clId="{C99FE32A-0C55-45B0-BC8A-FA34FEC6275F}" dt="2020-03-17T16:25:49.059" v="6" actId="114"/>
-          <ac:spMkLst>
-            <pc:docMk/>
-            <pc:sldMk cId="3877926806" sldId="379"/>
-            <ac:spMk id="3" creationId="{FD8E41C2-1EE8-453F-80FC-5A442537797F}"/>
-          </ac:spMkLst>
-        </pc:spChg>
-      </pc:sldChg>
-      <pc:sldChg chg="modSp">
-        <pc:chgData name="Erik Král" userId="e92e8e71-05aa-4c44-9728-5ff1a0a20d65" providerId="ADAL" clId="{C99FE32A-0C55-45B0-BC8A-FA34FEC6275F}" dt="2020-03-17T16:24:04.753" v="1" actId="20577"/>
-        <pc:sldMkLst>
-          <pc:docMk/>
-          <pc:sldMk cId="66877502" sldId="380"/>
-        </pc:sldMkLst>
-        <pc:spChg chg="mod">
-          <ac:chgData name="Erik Král" userId="e92e8e71-05aa-4c44-9728-5ff1a0a20d65" providerId="ADAL" clId="{C99FE32A-0C55-45B0-BC8A-FA34FEC6275F}" dt="2020-03-17T16:24:04.753" v="1" actId="20577"/>
-          <ac:spMkLst>
-            <pc:docMk/>
-            <pc:sldMk cId="66877502" sldId="380"/>
-            <ac:spMk id="3" creationId="{356FE689-593F-4FF6-B018-3997D364AA0E}"/>
-          </ac:spMkLst>
-        </pc:spChg>
-      </pc:sldChg>
-      <pc:sldChg chg="del">
-        <pc:chgData name="Erik Král" userId="e92e8e71-05aa-4c44-9728-5ff1a0a20d65" providerId="ADAL" clId="{C99FE32A-0C55-45B0-BC8A-FA34FEC6275F}" dt="2020-03-17T16:23:12.125" v="0" actId="2696"/>
-        <pc:sldMkLst>
-          <pc:docMk/>
-          <pc:sldMk cId="3042027691" sldId="381"/>
-        </pc:sldMkLst>
-      </pc:sldChg>
-      <pc:sldChg chg="modSp">
-        <pc:chgData name="Erik Král" userId="e92e8e71-05aa-4c44-9728-5ff1a0a20d65" providerId="ADAL" clId="{C99FE32A-0C55-45B0-BC8A-FA34FEC6275F}" dt="2020-03-19T10:41:33.189" v="621" actId="20577"/>
-        <pc:sldMkLst>
-          <pc:docMk/>
-          <pc:sldMk cId="1331038334" sldId="385"/>
-        </pc:sldMkLst>
-        <pc:spChg chg="mod">
-          <ac:chgData name="Erik Král" userId="e92e8e71-05aa-4c44-9728-5ff1a0a20d65" providerId="ADAL" clId="{C99FE32A-0C55-45B0-BC8A-FA34FEC6275F}" dt="2020-03-19T10:41:33.189" v="621" actId="20577"/>
-          <ac:spMkLst>
-            <pc:docMk/>
-            <pc:sldMk cId="1331038334" sldId="385"/>
-            <ac:spMk id="3" creationId="{6FF51D9D-4B63-462F-86CE-C1724D57AD03}"/>
-          </ac:spMkLst>
-        </pc:spChg>
-      </pc:sldChg>
-      <pc:sldChg chg="modSp">
-        <pc:chgData name="Erik Král" userId="e92e8e71-05aa-4c44-9728-5ff1a0a20d65" providerId="ADAL" clId="{C99FE32A-0C55-45B0-BC8A-FA34FEC6275F}" dt="2020-03-17T16:24:47.869" v="4" actId="207"/>
-        <pc:sldMkLst>
-          <pc:docMk/>
-          <pc:sldMk cId="4245153736" sldId="394"/>
-        </pc:sldMkLst>
-        <pc:spChg chg="mod">
-          <ac:chgData name="Erik Král" userId="e92e8e71-05aa-4c44-9728-5ff1a0a20d65" providerId="ADAL" clId="{C99FE32A-0C55-45B0-BC8A-FA34FEC6275F}" dt="2020-03-17T16:24:47.869" v="4" actId="207"/>
-          <ac:spMkLst>
-            <pc:docMk/>
-            <pc:sldMk cId="4245153736" sldId="394"/>
-            <ac:spMk id="18" creationId="{0BFA0459-DFA3-443F-9976-E7534DC34C85}"/>
-          </ac:spMkLst>
-        </pc:spChg>
-      </pc:sldChg>
-      <pc:sldChg chg="modSp">
-        <pc:chgData name="Erik Král" userId="e92e8e71-05aa-4c44-9728-5ff1a0a20d65" providerId="ADAL" clId="{C99FE32A-0C55-45B0-BC8A-FA34FEC6275F}" dt="2020-03-17T16:25:09.986" v="5" actId="207"/>
-        <pc:sldMkLst>
-          <pc:docMk/>
-          <pc:sldMk cId="2010371001" sldId="396"/>
-        </pc:sldMkLst>
-        <pc:spChg chg="mod">
-          <ac:chgData name="Erik Král" userId="e92e8e71-05aa-4c44-9728-5ff1a0a20d65" providerId="ADAL" clId="{C99FE32A-0C55-45B0-BC8A-FA34FEC6275F}" dt="2020-03-17T16:25:09.986" v="5" actId="207"/>
-          <ac:spMkLst>
-            <pc:docMk/>
-            <pc:sldMk cId="2010371001" sldId="396"/>
-            <ac:spMk id="18" creationId="{AA76A1B5-37B6-49C2-A025-9445CC6C76FD}"/>
-          </ac:spMkLst>
-        </pc:spChg>
-      </pc:sldChg>
-      <pc:sldChg chg="delSp">
-        <pc:chgData name="Erik Král" userId="e92e8e71-05aa-4c44-9728-5ff1a0a20d65" providerId="ADAL" clId="{C99FE32A-0C55-45B0-BC8A-FA34FEC6275F}" dt="2020-03-19T10:42:08.700" v="622" actId="478"/>
-        <pc:sldMkLst>
-          <pc:docMk/>
-          <pc:sldMk cId="3350780353" sldId="401"/>
-        </pc:sldMkLst>
-        <pc:cxnChg chg="del">
-          <ac:chgData name="Erik Král" userId="e92e8e71-05aa-4c44-9728-5ff1a0a20d65" providerId="ADAL" clId="{C99FE32A-0C55-45B0-BC8A-FA34FEC6275F}" dt="2020-03-19T10:42:08.700" v="622" actId="478"/>
-          <ac:cxnSpMkLst>
-            <pc:docMk/>
-            <pc:sldMk cId="3350780353" sldId="401"/>
-            <ac:cxnSpMk id="19" creationId="{ECF541D4-3818-4648-AC9D-FF6BABCC3777}"/>
-          </ac:cxnSpMkLst>
-        </pc:cxnChg>
-      </pc:sldChg>
-      <pc:sldChg chg="addSp delSp modSp del">
-        <pc:chgData name="Erik Král" userId="e92e8e71-05aa-4c44-9728-5ff1a0a20d65" providerId="ADAL" clId="{C99FE32A-0C55-45B0-BC8A-FA34FEC6275F}" dt="2020-03-18T13:05:38.668" v="281" actId="2696"/>
-        <pc:sldMkLst>
-          <pc:docMk/>
-          <pc:sldMk cId="940225684" sldId="420"/>
-        </pc:sldMkLst>
-        <pc:spChg chg="mod">
-          <ac:chgData name="Erik Král" userId="e92e8e71-05aa-4c44-9728-5ff1a0a20d65" providerId="ADAL" clId="{C99FE32A-0C55-45B0-BC8A-FA34FEC6275F}" dt="2020-03-18T13:05:16.640" v="279"/>
-          <ac:spMkLst>
-            <pc:docMk/>
-            <pc:sldMk cId="940225684" sldId="420"/>
-            <ac:spMk id="2" creationId="{DAB4930D-23C8-45E1-946F-64DC4F82A284}"/>
-          </ac:spMkLst>
-        </pc:spChg>
-        <pc:spChg chg="del">
-          <ac:chgData name="Erik Král" userId="e92e8e71-05aa-4c44-9728-5ff1a0a20d65" providerId="ADAL" clId="{C99FE32A-0C55-45B0-BC8A-FA34FEC6275F}" dt="2020-03-18T13:05:27.551" v="280" actId="478"/>
-          <ac:spMkLst>
-            <pc:docMk/>
-            <pc:sldMk cId="940225684" sldId="420"/>
-            <ac:spMk id="3" creationId="{61E08BBD-8A5E-4885-8C29-BB226A5F01CD}"/>
-          </ac:spMkLst>
-        </pc:spChg>
-        <pc:spChg chg="add mod">
-          <ac:chgData name="Erik Král" userId="e92e8e71-05aa-4c44-9728-5ff1a0a20d65" providerId="ADAL" clId="{C99FE32A-0C55-45B0-BC8A-FA34FEC6275F}" dt="2020-03-18T13:05:27.551" v="280" actId="478"/>
-          <ac:spMkLst>
-            <pc:docMk/>
-            <pc:sldMk cId="940225684" sldId="420"/>
-            <ac:spMk id="6" creationId="{9C0D132D-4CEA-457A-9553-2B4FB0D18A1A}"/>
-          </ac:spMkLst>
-        </pc:spChg>
-      </pc:sldChg>
-      <pc:sldChg chg="delSp modSp add">
-        <pc:chgData name="Erik Král" userId="e92e8e71-05aa-4c44-9728-5ff1a0a20d65" providerId="ADAL" clId="{C99FE32A-0C55-45B0-BC8A-FA34FEC6275F}" dt="2020-03-17T16:28:24.220" v="278" actId="20577"/>
-        <pc:sldMkLst>
-          <pc:docMk/>
-          <pc:sldMk cId="2891909401" sldId="421"/>
-        </pc:sldMkLst>
-        <pc:spChg chg="mod">
-          <ac:chgData name="Erik Král" userId="e92e8e71-05aa-4c44-9728-5ff1a0a20d65" providerId="ADAL" clId="{C99FE32A-0C55-45B0-BC8A-FA34FEC6275F}" dt="2020-03-17T16:27:18.243" v="37" actId="20577"/>
-          <ac:spMkLst>
-            <pc:docMk/>
-            <pc:sldMk cId="2891909401" sldId="421"/>
-            <ac:spMk id="2" creationId="{75656144-F30B-4C47-AF91-68AF99C5966B}"/>
-          </ac:spMkLst>
-        </pc:spChg>
-        <pc:spChg chg="mod">
-          <ac:chgData name="Erik Král" userId="e92e8e71-05aa-4c44-9728-5ff1a0a20d65" providerId="ADAL" clId="{C99FE32A-0C55-45B0-BC8A-FA34FEC6275F}" dt="2020-03-17T16:28:24.220" v="278" actId="20577"/>
-          <ac:spMkLst>
-            <pc:docMk/>
-            <pc:sldMk cId="2891909401" sldId="421"/>
-            <ac:spMk id="3" creationId="{805A82DF-2C72-4E54-B1F5-3A584D13851F}"/>
-          </ac:spMkLst>
-        </pc:spChg>
-        <pc:spChg chg="del">
-          <ac:chgData name="Erik Král" userId="e92e8e71-05aa-4c44-9728-5ff1a0a20d65" providerId="ADAL" clId="{C99FE32A-0C55-45B0-BC8A-FA34FEC6275F}" dt="2020-03-17T16:27:11.332" v="8" actId="478"/>
-          <ac:spMkLst>
-            <pc:docMk/>
-            <pc:sldMk cId="2891909401" sldId="421"/>
-            <ac:spMk id="4" creationId="{30EEC973-E5C5-4172-A547-24AB66184640}"/>
-          </ac:spMkLst>
-        </pc:spChg>
-      </pc:sldChg>
-      <pc:sldChg chg="addSp delSp modSp add">
-        <pc:chgData name="Erik Král" userId="e92e8e71-05aa-4c44-9728-5ff1a0a20d65" providerId="ADAL" clId="{C99FE32A-0C55-45B0-BC8A-FA34FEC6275F}" dt="2020-03-18T13:08:08.766" v="327" actId="478"/>
-        <pc:sldMkLst>
-          <pc:docMk/>
-          <pc:sldMk cId="2810711227" sldId="422"/>
-        </pc:sldMkLst>
-        <pc:spChg chg="mod">
-          <ac:chgData name="Erik Král" userId="e92e8e71-05aa-4c44-9728-5ff1a0a20d65" providerId="ADAL" clId="{C99FE32A-0C55-45B0-BC8A-FA34FEC6275F}" dt="2020-03-18T13:05:49.516" v="283"/>
-          <ac:spMkLst>
-            <pc:docMk/>
-            <pc:sldMk cId="2810711227" sldId="422"/>
-            <ac:spMk id="2" creationId="{EEA7AB69-2049-4437-9039-09146C9AEAF2}"/>
-          </ac:spMkLst>
-        </pc:spChg>
-        <pc:spChg chg="del">
-          <ac:chgData name="Erik Král" userId="e92e8e71-05aa-4c44-9728-5ff1a0a20d65" providerId="ADAL" clId="{C99FE32A-0C55-45B0-BC8A-FA34FEC6275F}" dt="2020-03-18T13:05:51.960" v="284" actId="478"/>
-          <ac:spMkLst>
-            <pc:docMk/>
-            <pc:sldMk cId="2810711227" sldId="422"/>
-            <ac:spMk id="3" creationId="{FC736D06-D309-42FB-8AC4-51B87F8DF503}"/>
-          </ac:spMkLst>
-        </pc:spChg>
-        <pc:spChg chg="add mod">
-          <ac:chgData name="Erik Král" userId="e92e8e71-05aa-4c44-9728-5ff1a0a20d65" providerId="ADAL" clId="{C99FE32A-0C55-45B0-BC8A-FA34FEC6275F}" dt="2020-03-18T13:06:10.933" v="290" actId="14100"/>
-          <ac:spMkLst>
-            <pc:docMk/>
-            <pc:sldMk cId="2810711227" sldId="422"/>
-            <ac:spMk id="4" creationId="{CEC0D4D6-913C-4A89-A632-6C2B411BB56A}"/>
-          </ac:spMkLst>
-        </pc:spChg>
-        <pc:spChg chg="add del mod">
-          <ac:chgData name="Erik Král" userId="e92e8e71-05aa-4c44-9728-5ff1a0a20d65" providerId="ADAL" clId="{C99FE32A-0C55-45B0-BC8A-FA34FEC6275F}" dt="2020-03-18T13:07:59.329" v="326" actId="478"/>
-          <ac:spMkLst>
-            <pc:docMk/>
-            <pc:sldMk cId="2810711227" sldId="422"/>
-            <ac:spMk id="6" creationId="{9C413DFC-1812-4627-973D-A7937722D961}"/>
-          </ac:spMkLst>
-        </pc:spChg>
-        <pc:spChg chg="add del">
-          <ac:chgData name="Erik Král" userId="e92e8e71-05aa-4c44-9728-5ff1a0a20d65" providerId="ADAL" clId="{C99FE32A-0C55-45B0-BC8A-FA34FEC6275F}" dt="2020-03-18T13:07:59.329" v="326" actId="478"/>
-          <ac:spMkLst>
-            <pc:docMk/>
-            <pc:sldMk cId="2810711227" sldId="422"/>
-            <ac:spMk id="8" creationId="{64A4D747-F78C-46EF-8A2E-C63C2A2DDAC4}"/>
-          </ac:spMkLst>
-        </pc:spChg>
-        <pc:spChg chg="del mod">
-          <ac:chgData name="Erik Král" userId="e92e8e71-05aa-4c44-9728-5ff1a0a20d65" providerId="ADAL" clId="{C99FE32A-0C55-45B0-BC8A-FA34FEC6275F}" dt="2020-03-18T13:08:08.766" v="327" actId="478"/>
-          <ac:spMkLst>
-            <pc:docMk/>
-            <pc:sldMk cId="2810711227" sldId="422"/>
-            <ac:spMk id="9" creationId="{BC670A61-036B-44F4-AE9C-10FC6D63E78D}"/>
-          </ac:spMkLst>
-        </pc:spChg>
-        <pc:spChg chg="del mod">
-          <ac:chgData name="Erik Král" userId="e92e8e71-05aa-4c44-9728-5ff1a0a20d65" providerId="ADAL" clId="{C99FE32A-0C55-45B0-BC8A-FA34FEC6275F}" dt="2020-03-18T13:08:08.766" v="327" actId="478"/>
-          <ac:spMkLst>
-            <pc:docMk/>
-            <pc:sldMk cId="2810711227" sldId="422"/>
-            <ac:spMk id="10" creationId="{1D2D47C0-D201-4BBE-A5E5-0B3BD41A22F6}"/>
-          </ac:spMkLst>
-        </pc:spChg>
-        <pc:spChg chg="del mod">
-          <ac:chgData name="Erik Král" userId="e92e8e71-05aa-4c44-9728-5ff1a0a20d65" providerId="ADAL" clId="{C99FE32A-0C55-45B0-BC8A-FA34FEC6275F}" dt="2020-03-18T13:08:08.766" v="327" actId="478"/>
-          <ac:spMkLst>
-            <pc:docMk/>
-            <pc:sldMk cId="2810711227" sldId="422"/>
-            <ac:spMk id="12" creationId="{612461D7-DC4A-425F-A9AE-CB1471933BF9}"/>
-          </ac:spMkLst>
-        </pc:spChg>
-        <pc:spChg chg="del mod">
-          <ac:chgData name="Erik Král" userId="e92e8e71-05aa-4c44-9728-5ff1a0a20d65" providerId="ADAL" clId="{C99FE32A-0C55-45B0-BC8A-FA34FEC6275F}" dt="2020-03-18T13:08:08.766" v="327" actId="478"/>
-          <ac:spMkLst>
-            <pc:docMk/>
-            <pc:sldMk cId="2810711227" sldId="422"/>
-            <ac:spMk id="13" creationId="{FA75918C-3E7B-4A11-B290-A1242D7EEC55}"/>
-          </ac:spMkLst>
-        </pc:spChg>
-        <pc:spChg chg="del mod">
-          <ac:chgData name="Erik Král" userId="e92e8e71-05aa-4c44-9728-5ff1a0a20d65" providerId="ADAL" clId="{C99FE32A-0C55-45B0-BC8A-FA34FEC6275F}" dt="2020-03-18T13:08:08.766" v="327" actId="478"/>
-          <ac:spMkLst>
-            <pc:docMk/>
-            <pc:sldMk cId="2810711227" sldId="422"/>
-            <ac:spMk id="14" creationId="{E31797FA-DEA6-48A5-AC22-933A2239A647}"/>
-          </ac:spMkLst>
-        </pc:spChg>
-        <pc:spChg chg="del mod">
-          <ac:chgData name="Erik Král" userId="e92e8e71-05aa-4c44-9728-5ff1a0a20d65" providerId="ADAL" clId="{C99FE32A-0C55-45B0-BC8A-FA34FEC6275F}" dt="2020-03-18T13:08:08.766" v="327" actId="478"/>
-          <ac:spMkLst>
-            <pc:docMk/>
-            <pc:sldMk cId="2810711227" sldId="422"/>
-            <ac:spMk id="15" creationId="{154E8E40-4353-44BB-9F90-DF46C42A1000}"/>
-          </ac:spMkLst>
-        </pc:spChg>
-        <pc:spChg chg="del mod">
-          <ac:chgData name="Erik Král" userId="e92e8e71-05aa-4c44-9728-5ff1a0a20d65" providerId="ADAL" clId="{C99FE32A-0C55-45B0-BC8A-FA34FEC6275F}" dt="2020-03-18T13:08:08.766" v="327" actId="478"/>
-          <ac:spMkLst>
-            <pc:docMk/>
-            <pc:sldMk cId="2810711227" sldId="422"/>
-            <ac:spMk id="16" creationId="{DA89675A-C1FD-4160-9787-06CB03D992EC}"/>
-          </ac:spMkLst>
-        </pc:spChg>
-        <pc:spChg chg="del mod">
-          <ac:chgData name="Erik Král" userId="e92e8e71-05aa-4c44-9728-5ff1a0a20d65" providerId="ADAL" clId="{C99FE32A-0C55-45B0-BC8A-FA34FEC6275F}" dt="2020-03-18T13:08:08.766" v="327" actId="478"/>
-          <ac:spMkLst>
-            <pc:docMk/>
-            <pc:sldMk cId="2810711227" sldId="422"/>
-            <ac:spMk id="17" creationId="{B48209AA-A8F2-44E4-91B8-37F03DD3D5AB}"/>
-          </ac:spMkLst>
-        </pc:spChg>
-        <pc:spChg chg="add del mod">
-          <ac:chgData name="Erik Král" userId="e92e8e71-05aa-4c44-9728-5ff1a0a20d65" providerId="ADAL" clId="{C99FE32A-0C55-45B0-BC8A-FA34FEC6275F}" dt="2020-03-18T13:08:08.766" v="327" actId="478"/>
-          <ac:spMkLst>
-            <pc:docMk/>
-            <pc:sldMk cId="2810711227" sldId="422"/>
-            <ac:spMk id="18" creationId="{32D95C19-1E62-47E2-9464-ED4E9926FA35}"/>
-          </ac:spMkLst>
-        </pc:spChg>
-        <pc:spChg chg="add del mod">
-          <ac:chgData name="Erik Král" userId="e92e8e71-05aa-4c44-9728-5ff1a0a20d65" providerId="ADAL" clId="{C99FE32A-0C55-45B0-BC8A-FA34FEC6275F}" dt="2020-03-18T13:08:08.766" v="327" actId="478"/>
-          <ac:spMkLst>
-            <pc:docMk/>
-            <pc:sldMk cId="2810711227" sldId="422"/>
-            <ac:spMk id="19" creationId="{5991664A-27DE-49E2-9DC6-750FE8022B91}"/>
-          </ac:spMkLst>
-        </pc:spChg>
-        <pc:spChg chg="add del mod">
-          <ac:chgData name="Erik Král" userId="e92e8e71-05aa-4c44-9728-5ff1a0a20d65" providerId="ADAL" clId="{C99FE32A-0C55-45B0-BC8A-FA34FEC6275F}" dt="2020-03-18T13:08:08.766" v="327" actId="478"/>
-          <ac:spMkLst>
-            <pc:docMk/>
-            <pc:sldMk cId="2810711227" sldId="422"/>
-            <ac:spMk id="20" creationId="{FCB360D7-B05C-4F1A-A50A-2B22DEA3EE1A}"/>
-          </ac:spMkLst>
-        </pc:spChg>
-        <pc:spChg chg="del mod">
-          <ac:chgData name="Erik Král" userId="e92e8e71-05aa-4c44-9728-5ff1a0a20d65" providerId="ADAL" clId="{C99FE32A-0C55-45B0-BC8A-FA34FEC6275F}" dt="2020-03-18T13:08:08.766" v="327" actId="478"/>
-          <ac:spMkLst>
-            <pc:docMk/>
-            <pc:sldMk cId="2810711227" sldId="422"/>
-            <ac:spMk id="21" creationId="{E61A8C46-6056-423B-9947-94120B074273}"/>
-          </ac:spMkLst>
-        </pc:spChg>
-        <pc:spChg chg="del mod">
-          <ac:chgData name="Erik Král" userId="e92e8e71-05aa-4c44-9728-5ff1a0a20d65" providerId="ADAL" clId="{C99FE32A-0C55-45B0-BC8A-FA34FEC6275F}" dt="2020-03-18T13:08:08.766" v="327" actId="478"/>
-          <ac:spMkLst>
-            <pc:docMk/>
-            <pc:sldMk cId="2810711227" sldId="422"/>
-            <ac:spMk id="22" creationId="{B7E51456-5F44-45C8-91A1-06FF13F98914}"/>
-          </ac:spMkLst>
-        </pc:spChg>
-        <pc:spChg chg="add del mod">
-          <ac:chgData name="Erik Král" userId="e92e8e71-05aa-4c44-9728-5ff1a0a20d65" providerId="ADAL" clId="{C99FE32A-0C55-45B0-BC8A-FA34FEC6275F}" dt="2020-03-18T13:08:08.766" v="327" actId="478"/>
-          <ac:spMkLst>
-            <pc:docMk/>
-            <pc:sldMk cId="2810711227" sldId="422"/>
-            <ac:spMk id="23" creationId="{5BE9C815-B2B0-4B11-8959-293CDD75CFCD}"/>
-          </ac:spMkLst>
-        </pc:spChg>
-      </pc:sldChg>
-      <pc:sldChg chg="modSp add del">
-        <pc:chgData name="Erik Král" userId="e92e8e71-05aa-4c44-9728-5ff1a0a20d65" providerId="ADAL" clId="{C99FE32A-0C55-45B0-BC8A-FA34FEC6275F}" dt="2020-03-18T13:08:46.831" v="337" actId="2696"/>
-        <pc:sldMkLst>
-          <pc:docMk/>
-          <pc:sldMk cId="1520148682" sldId="423"/>
-        </pc:sldMkLst>
-        <pc:spChg chg="mod">
-          <ac:chgData name="Erik Král" userId="e92e8e71-05aa-4c44-9728-5ff1a0a20d65" providerId="ADAL" clId="{C99FE32A-0C55-45B0-BC8A-FA34FEC6275F}" dt="2020-03-18T13:08:17.806" v="329" actId="207"/>
-          <ac:spMkLst>
-            <pc:docMk/>
-            <pc:sldMk cId="1520148682" sldId="423"/>
-            <ac:spMk id="4" creationId="{CEC0D4D6-913C-4A89-A632-6C2B411BB56A}"/>
-          </ac:spMkLst>
-        </pc:spChg>
-      </pc:sldChg>
-      <pc:sldChg chg="delSp modSp add">
-        <pc:chgData name="Erik Král" userId="e92e8e71-05aa-4c44-9728-5ff1a0a20d65" providerId="ADAL" clId="{C99FE32A-0C55-45B0-BC8A-FA34FEC6275F}" dt="2020-03-18T13:20:06.068" v="465" actId="478"/>
-        <pc:sldMkLst>
-          <pc:docMk/>
-          <pc:sldMk cId="3597574756" sldId="424"/>
-        </pc:sldMkLst>
-        <pc:spChg chg="mod">
-          <ac:chgData name="Erik Král" userId="e92e8e71-05aa-4c44-9728-5ff1a0a20d65" providerId="ADAL" clId="{C99FE32A-0C55-45B0-BC8A-FA34FEC6275F}" dt="2020-03-18T13:08:55.158" v="339" actId="207"/>
-          <ac:spMkLst>
-            <pc:docMk/>
-            <pc:sldMk cId="3597574756" sldId="424"/>
-            <ac:spMk id="4" creationId="{CEC0D4D6-913C-4A89-A632-6C2B411BB56A}"/>
-          </ac:spMkLst>
-        </pc:spChg>
-        <pc:spChg chg="mod">
-          <ac:chgData name="Erik Král" userId="e92e8e71-05aa-4c44-9728-5ff1a0a20d65" providerId="ADAL" clId="{C99FE32A-0C55-45B0-BC8A-FA34FEC6275F}" dt="2020-03-18T13:09:13.799" v="341" actId="208"/>
-          <ac:spMkLst>
-            <pc:docMk/>
-            <pc:sldMk cId="3597574756" sldId="424"/>
-            <ac:spMk id="9" creationId="{BC670A61-036B-44F4-AE9C-10FC6D63E78D}"/>
-          </ac:spMkLst>
-        </pc:spChg>
-        <pc:spChg chg="mod">
-          <ac:chgData name="Erik Král" userId="e92e8e71-05aa-4c44-9728-5ff1a0a20d65" providerId="ADAL" clId="{C99FE32A-0C55-45B0-BC8A-FA34FEC6275F}" dt="2020-03-18T13:09:03.776" v="340" actId="207"/>
-          <ac:spMkLst>
-            <pc:docMk/>
-            <pc:sldMk cId="3597574756" sldId="424"/>
-            <ac:spMk id="10" creationId="{1D2D47C0-D201-4BBE-A5E5-0B3BD41A22F6}"/>
-          </ac:spMkLst>
-        </pc:spChg>
-        <pc:spChg chg="mod">
-          <ac:chgData name="Erik Král" userId="e92e8e71-05aa-4c44-9728-5ff1a0a20d65" providerId="ADAL" clId="{C99FE32A-0C55-45B0-BC8A-FA34FEC6275F}" dt="2020-03-18T13:09:13.799" v="341" actId="208"/>
-          <ac:spMkLst>
-            <pc:docMk/>
-            <pc:sldMk cId="3597574756" sldId="424"/>
-            <ac:spMk id="12" creationId="{612461D7-DC4A-425F-A9AE-CB1471933BF9}"/>
-          </ac:spMkLst>
-        </pc:spChg>
-        <pc:spChg chg="mod">
-          <ac:chgData name="Erik Král" userId="e92e8e71-05aa-4c44-9728-5ff1a0a20d65" providerId="ADAL" clId="{C99FE32A-0C55-45B0-BC8A-FA34FEC6275F}" dt="2020-03-18T13:09:03.776" v="340" actId="207"/>
-          <ac:spMkLst>
-            <pc:docMk/>
-            <pc:sldMk cId="3597574756" sldId="424"/>
-            <ac:spMk id="13" creationId="{FA75918C-3E7B-4A11-B290-A1242D7EEC55}"/>
-          </ac:spMkLst>
-        </pc:spChg>
-        <pc:spChg chg="mod ord">
-          <ac:chgData name="Erik Král" userId="e92e8e71-05aa-4c44-9728-5ff1a0a20d65" providerId="ADAL" clId="{C99FE32A-0C55-45B0-BC8A-FA34FEC6275F}" dt="2020-03-18T13:09:19.887" v="342" actId="166"/>
-          <ac:spMkLst>
-            <pc:docMk/>
-            <pc:sldMk cId="3597574756" sldId="424"/>
-            <ac:spMk id="14" creationId="{E31797FA-DEA6-48A5-AC22-933A2239A647}"/>
-          </ac:spMkLst>
-        </pc:spChg>
-        <pc:spChg chg="mod">
-          <ac:chgData name="Erik Král" userId="e92e8e71-05aa-4c44-9728-5ff1a0a20d65" providerId="ADAL" clId="{C99FE32A-0C55-45B0-BC8A-FA34FEC6275F}" dt="2020-03-18T13:09:03.776" v="340" actId="207"/>
-          <ac:spMkLst>
-            <pc:docMk/>
-            <pc:sldMk cId="3597574756" sldId="424"/>
-            <ac:spMk id="15" creationId="{154E8E40-4353-44BB-9F90-DF46C42A1000}"/>
-          </ac:spMkLst>
-        </pc:spChg>
-        <pc:spChg chg="del">
-          <ac:chgData name="Erik Král" userId="e92e8e71-05aa-4c44-9728-5ff1a0a20d65" providerId="ADAL" clId="{C99FE32A-0C55-45B0-BC8A-FA34FEC6275F}" dt="2020-03-18T13:20:06.068" v="465" actId="478"/>
-          <ac:spMkLst>
-            <pc:docMk/>
-            <pc:sldMk cId="3597574756" sldId="424"/>
-            <ac:spMk id="16" creationId="{DA89675A-C1FD-4160-9787-06CB03D992EC}"/>
-          </ac:spMkLst>
-        </pc:spChg>
-        <pc:spChg chg="del mod">
-          <ac:chgData name="Erik Král" userId="e92e8e71-05aa-4c44-9728-5ff1a0a20d65" providerId="ADAL" clId="{C99FE32A-0C55-45B0-BC8A-FA34FEC6275F}" dt="2020-03-18T13:20:06.068" v="465" actId="478"/>
-          <ac:spMkLst>
-            <pc:docMk/>
-            <pc:sldMk cId="3597574756" sldId="424"/>
-            <ac:spMk id="17" creationId="{B48209AA-A8F2-44E4-91B8-37F03DD3D5AB}"/>
-          </ac:spMkLst>
-        </pc:spChg>
-        <pc:spChg chg="del">
-          <ac:chgData name="Erik Král" userId="e92e8e71-05aa-4c44-9728-5ff1a0a20d65" providerId="ADAL" clId="{C99FE32A-0C55-45B0-BC8A-FA34FEC6275F}" dt="2020-03-18T13:20:06.068" v="465" actId="478"/>
-          <ac:spMkLst>
-            <pc:docMk/>
-            <pc:sldMk cId="3597574756" sldId="424"/>
-            <ac:spMk id="18" creationId="{32D95C19-1E62-47E2-9464-ED4E9926FA35}"/>
-          </ac:spMkLst>
-        </pc:spChg>
-        <pc:spChg chg="del mod">
-          <ac:chgData name="Erik Král" userId="e92e8e71-05aa-4c44-9728-5ff1a0a20d65" providerId="ADAL" clId="{C99FE32A-0C55-45B0-BC8A-FA34FEC6275F}" dt="2020-03-18T13:20:06.068" v="465" actId="478"/>
-          <ac:spMkLst>
-            <pc:docMk/>
-            <pc:sldMk cId="3597574756" sldId="424"/>
-            <ac:spMk id="19" creationId="{5991664A-27DE-49E2-9DC6-750FE8022B91}"/>
-          </ac:spMkLst>
-        </pc:spChg>
-        <pc:spChg chg="del">
-          <ac:chgData name="Erik Král" userId="e92e8e71-05aa-4c44-9728-5ff1a0a20d65" providerId="ADAL" clId="{C99FE32A-0C55-45B0-BC8A-FA34FEC6275F}" dt="2020-03-18T13:20:06.068" v="465" actId="478"/>
-          <ac:spMkLst>
-            <pc:docMk/>
-            <pc:sldMk cId="3597574756" sldId="424"/>
-            <ac:spMk id="20" creationId="{FCB360D7-B05C-4F1A-A50A-2B22DEA3EE1A}"/>
-          </ac:spMkLst>
-        </pc:spChg>
-        <pc:spChg chg="mod">
-          <ac:chgData name="Erik Král" userId="e92e8e71-05aa-4c44-9728-5ff1a0a20d65" providerId="ADAL" clId="{C99FE32A-0C55-45B0-BC8A-FA34FEC6275F}" dt="2020-03-18T13:09:13.799" v="341" actId="208"/>
-          <ac:spMkLst>
-            <pc:docMk/>
-            <pc:sldMk cId="3597574756" sldId="424"/>
-            <ac:spMk id="21" creationId="{E61A8C46-6056-423B-9947-94120B074273}"/>
-          </ac:spMkLst>
-        </pc:spChg>
-        <pc:spChg chg="mod">
-          <ac:chgData name="Erik Král" userId="e92e8e71-05aa-4c44-9728-5ff1a0a20d65" providerId="ADAL" clId="{C99FE32A-0C55-45B0-BC8A-FA34FEC6275F}" dt="2020-03-18T13:09:03.776" v="340" actId="207"/>
-          <ac:spMkLst>
-            <pc:docMk/>
-            <pc:sldMk cId="3597574756" sldId="424"/>
-            <ac:spMk id="22" creationId="{B7E51456-5F44-45C8-91A1-06FF13F98914}"/>
-          </ac:spMkLst>
-        </pc:spChg>
-        <pc:spChg chg="del mod">
-          <ac:chgData name="Erik Král" userId="e92e8e71-05aa-4c44-9728-5ff1a0a20d65" providerId="ADAL" clId="{C99FE32A-0C55-45B0-BC8A-FA34FEC6275F}" dt="2020-03-18T13:20:06.068" v="465" actId="478"/>
-          <ac:spMkLst>
-            <pc:docMk/>
-            <pc:sldMk cId="3597574756" sldId="424"/>
-            <ac:spMk id="23" creationId="{5BE9C815-B2B0-4B11-8959-293CDD75CFCD}"/>
-          </ac:spMkLst>
-        </pc:spChg>
-      </pc:sldChg>
-      <pc:sldChg chg="addSp delSp modSp add">
-        <pc:chgData name="Erik Král" userId="e92e8e71-05aa-4c44-9728-5ff1a0a20d65" providerId="ADAL" clId="{C99FE32A-0C55-45B0-BC8A-FA34FEC6275F}" dt="2020-03-18T13:11:29.273" v="384" actId="208"/>
-        <pc:sldMkLst>
-          <pc:docMk/>
-          <pc:sldMk cId="2230914095" sldId="425"/>
-        </pc:sldMkLst>
-        <pc:spChg chg="mod">
-          <ac:chgData name="Erik Král" userId="e92e8e71-05aa-4c44-9728-5ff1a0a20d65" providerId="ADAL" clId="{C99FE32A-0C55-45B0-BC8A-FA34FEC6275F}" dt="2020-03-18T13:09:45.382" v="345" actId="207"/>
-          <ac:spMkLst>
-            <pc:docMk/>
-            <pc:sldMk cId="2230914095" sldId="425"/>
-            <ac:spMk id="4" creationId="{CEC0D4D6-913C-4A89-A632-6C2B411BB56A}"/>
-          </ac:spMkLst>
-        </pc:spChg>
-        <pc:spChg chg="mod ord">
-          <ac:chgData name="Erik Král" userId="e92e8e71-05aa-4c44-9728-5ff1a0a20d65" providerId="ADAL" clId="{C99FE32A-0C55-45B0-BC8A-FA34FEC6275F}" dt="2020-03-18T13:10:19.052" v="375" actId="208"/>
-          <ac:spMkLst>
-            <pc:docMk/>
-            <pc:sldMk cId="2230914095" sldId="425"/>
-            <ac:spMk id="14" creationId="{E31797FA-DEA6-48A5-AC22-933A2239A647}"/>
-          </ac:spMkLst>
-        </pc:spChg>
-        <pc:spChg chg="mod">
-          <ac:chgData name="Erik Král" userId="e92e8e71-05aa-4c44-9728-5ff1a0a20d65" providerId="ADAL" clId="{C99FE32A-0C55-45B0-BC8A-FA34FEC6275F}" dt="2020-03-18T13:09:48.756" v="346" actId="207"/>
-          <ac:spMkLst>
-            <pc:docMk/>
-            <pc:sldMk cId="2230914095" sldId="425"/>
-            <ac:spMk id="15" creationId="{154E8E40-4353-44BB-9F90-DF46C42A1000}"/>
-          </ac:spMkLst>
-        </pc:spChg>
-        <pc:spChg chg="mod">
-          <ac:chgData name="Erik Král" userId="e92e8e71-05aa-4c44-9728-5ff1a0a20d65" providerId="ADAL" clId="{C99FE32A-0C55-45B0-BC8A-FA34FEC6275F}" dt="2020-03-18T13:10:34.646" v="377" actId="208"/>
-          <ac:spMkLst>
-            <pc:docMk/>
-            <pc:sldMk cId="2230914095" sldId="425"/>
-            <ac:spMk id="16" creationId="{DA89675A-C1FD-4160-9787-06CB03D992EC}"/>
-          </ac:spMkLst>
-        </pc:spChg>
-        <pc:spChg chg="mod">
-          <ac:chgData name="Erik Král" userId="e92e8e71-05aa-4c44-9728-5ff1a0a20d65" providerId="ADAL" clId="{C99FE32A-0C55-45B0-BC8A-FA34FEC6275F}" dt="2020-03-18T13:10:28.711" v="376" actId="207"/>
-          <ac:spMkLst>
-            <pc:docMk/>
-            <pc:sldMk cId="2230914095" sldId="425"/>
-            <ac:spMk id="17" creationId="{B48209AA-A8F2-44E4-91B8-37F03DD3D5AB}"/>
-          </ac:spMkLst>
-        </pc:spChg>
-        <pc:spChg chg="del">
-          <ac:chgData name="Erik Král" userId="e92e8e71-05aa-4c44-9728-5ff1a0a20d65" providerId="ADAL" clId="{C99FE32A-0C55-45B0-BC8A-FA34FEC6275F}" dt="2020-03-18T13:09:41.273" v="344" actId="478"/>
-          <ac:spMkLst>
-            <pc:docMk/>
-            <pc:sldMk cId="2230914095" sldId="425"/>
-            <ac:spMk id="18" creationId="{32D95C19-1E62-47E2-9464-ED4E9926FA35}"/>
-          </ac:spMkLst>
-        </pc:spChg>
-        <pc:spChg chg="del">
-          <ac:chgData name="Erik Král" userId="e92e8e71-05aa-4c44-9728-5ff1a0a20d65" providerId="ADAL" clId="{C99FE32A-0C55-45B0-BC8A-FA34FEC6275F}" dt="2020-03-18T13:09:41.273" v="344" actId="478"/>
-          <ac:spMkLst>
-            <pc:docMk/>
-            <pc:sldMk cId="2230914095" sldId="425"/>
-            <ac:spMk id="19" creationId="{5991664A-27DE-49E2-9DC6-750FE8022B91}"/>
-          </ac:spMkLst>
-        </pc:spChg>
-        <pc:spChg chg="del">
-          <ac:chgData name="Erik Král" userId="e92e8e71-05aa-4c44-9728-5ff1a0a20d65" providerId="ADAL" clId="{C99FE32A-0C55-45B0-BC8A-FA34FEC6275F}" dt="2020-03-18T13:09:41.273" v="344" actId="478"/>
-          <ac:spMkLst>
-            <pc:docMk/>
-            <pc:sldMk cId="2230914095" sldId="425"/>
-            <ac:spMk id="20" creationId="{FCB360D7-B05C-4F1A-A50A-2B22DEA3EE1A}"/>
-          </ac:spMkLst>
-        </pc:spChg>
-        <pc:spChg chg="del">
-          <ac:chgData name="Erik Král" userId="e92e8e71-05aa-4c44-9728-5ff1a0a20d65" providerId="ADAL" clId="{C99FE32A-0C55-45B0-BC8A-FA34FEC6275F}" dt="2020-03-18T13:09:41.273" v="344" actId="478"/>
-          <ac:spMkLst>
-            <pc:docMk/>
-            <pc:sldMk cId="2230914095" sldId="425"/>
-            <ac:spMk id="23" creationId="{5BE9C815-B2B0-4B11-8959-293CDD75CFCD}"/>
-          </ac:spMkLst>
-        </pc:spChg>
-        <pc:cxnChg chg="add mod">
-          <ac:chgData name="Erik Král" userId="e92e8e71-05aa-4c44-9728-5ff1a0a20d65" providerId="ADAL" clId="{C99FE32A-0C55-45B0-BC8A-FA34FEC6275F}" dt="2020-03-18T13:11:29.273" v="384" actId="208"/>
-          <ac:cxnSpMkLst>
-            <pc:docMk/>
-            <pc:sldMk cId="2230914095" sldId="425"/>
-            <ac:cxnSpMk id="7" creationId="{38C2B6FE-06DF-448A-9DBA-0E0232CF4BD5}"/>
-          </ac:cxnSpMkLst>
-        </pc:cxnChg>
-      </pc:sldChg>
-      <pc:sldChg chg="addSp delSp modSp add">
-        <pc:chgData name="Erik Král" userId="e92e8e71-05aa-4c44-9728-5ff1a0a20d65" providerId="ADAL" clId="{C99FE32A-0C55-45B0-BC8A-FA34FEC6275F}" dt="2020-03-18T13:14:09.788" v="418" actId="20577"/>
-        <pc:sldMkLst>
-          <pc:docMk/>
-          <pc:sldMk cId="830338680" sldId="426"/>
-        </pc:sldMkLst>
-        <pc:spChg chg="mod">
-          <ac:chgData name="Erik Král" userId="e92e8e71-05aa-4c44-9728-5ff1a0a20d65" providerId="ADAL" clId="{C99FE32A-0C55-45B0-BC8A-FA34FEC6275F}" dt="2020-03-18T13:10:48.787" v="379" actId="207"/>
-          <ac:spMkLst>
-            <pc:docMk/>
-            <pc:sldMk cId="830338680" sldId="426"/>
-            <ac:spMk id="4" creationId="{CEC0D4D6-913C-4A89-A632-6C2B411BB56A}"/>
-          </ac:spMkLst>
-        </pc:spChg>
-        <pc:spChg chg="mod ord">
-          <ac:chgData name="Erik Král" userId="e92e8e71-05aa-4c44-9728-5ff1a0a20d65" providerId="ADAL" clId="{C99FE32A-0C55-45B0-BC8A-FA34FEC6275F}" dt="2020-03-18T13:11:04.413" v="382" actId="166"/>
-          <ac:spMkLst>
-            <pc:docMk/>
-            <pc:sldMk cId="830338680" sldId="426"/>
-            <ac:spMk id="18" creationId="{32D95C19-1E62-47E2-9464-ED4E9926FA35}"/>
-          </ac:spMkLst>
-        </pc:spChg>
-        <pc:spChg chg="mod">
-          <ac:chgData name="Erik Král" userId="e92e8e71-05aa-4c44-9728-5ff1a0a20d65" providerId="ADAL" clId="{C99FE32A-0C55-45B0-BC8A-FA34FEC6275F}" dt="2020-03-18T13:14:09.788" v="418" actId="20577"/>
-          <ac:spMkLst>
-            <pc:docMk/>
-            <pc:sldMk cId="830338680" sldId="426"/>
-            <ac:spMk id="19" creationId="{5991664A-27DE-49E2-9DC6-750FE8022B91}"/>
-          </ac:spMkLst>
-        </pc:spChg>
-        <pc:spChg chg="del">
-          <ac:chgData name="Erik Král" userId="e92e8e71-05aa-4c44-9728-5ff1a0a20d65" providerId="ADAL" clId="{C99FE32A-0C55-45B0-BC8A-FA34FEC6275F}" dt="2020-03-18T13:12:02.478" v="387" actId="478"/>
-          <ac:spMkLst>
-            <pc:docMk/>
-            <pc:sldMk cId="830338680" sldId="426"/>
-            <ac:spMk id="20" creationId="{FCB360D7-B05C-4F1A-A50A-2B22DEA3EE1A}"/>
-          </ac:spMkLst>
-        </pc:spChg>
-        <pc:spChg chg="del">
-          <ac:chgData name="Erik Král" userId="e92e8e71-05aa-4c44-9728-5ff1a0a20d65" providerId="ADAL" clId="{C99FE32A-0C55-45B0-BC8A-FA34FEC6275F}" dt="2020-03-18T13:12:02.478" v="387" actId="478"/>
-          <ac:spMkLst>
-            <pc:docMk/>
-            <pc:sldMk cId="830338680" sldId="426"/>
-            <ac:spMk id="23" creationId="{5BE9C815-B2B0-4B11-8959-293CDD75CFCD}"/>
-          </ac:spMkLst>
-        </pc:spChg>
-        <pc:cxnChg chg="add mod">
-          <ac:chgData name="Erik Král" userId="e92e8e71-05aa-4c44-9728-5ff1a0a20d65" providerId="ADAL" clId="{C99FE32A-0C55-45B0-BC8A-FA34FEC6275F}" dt="2020-03-18T13:12:12.779" v="389" actId="14100"/>
-          <ac:cxnSpMkLst>
-            <pc:docMk/>
-            <pc:sldMk cId="830338680" sldId="426"/>
-            <ac:cxnSpMk id="24" creationId="{9FFFC1AC-FAD2-4064-97A4-BC4C23BB1825}"/>
-          </ac:cxnSpMkLst>
-        </pc:cxnChg>
-      </pc:sldChg>
-      <pc:sldChg chg="addSp delSp modSp add">
-        <pc:chgData name="Erik Král" userId="e92e8e71-05aa-4c44-9728-5ff1a0a20d65" providerId="ADAL" clId="{C99FE32A-0C55-45B0-BC8A-FA34FEC6275F}" dt="2020-03-18T13:17:44.337" v="453" actId="478"/>
-        <pc:sldMkLst>
-          <pc:docMk/>
-          <pc:sldMk cId="617571108" sldId="427"/>
-        </pc:sldMkLst>
-        <pc:spChg chg="add mod ord">
-          <ac:chgData name="Erik Král" userId="e92e8e71-05aa-4c44-9728-5ff1a0a20d65" providerId="ADAL" clId="{C99FE32A-0C55-45B0-BC8A-FA34FEC6275F}" dt="2020-03-18T13:16:05.148" v="430" actId="20577"/>
-          <ac:spMkLst>
-            <pc:docMk/>
-            <pc:sldMk cId="617571108" sldId="427"/>
-            <ac:spMk id="3" creationId="{E45BF781-9CC0-470B-9969-F3C8B4F8663E}"/>
-          </ac:spMkLst>
-        </pc:spChg>
-        <pc:spChg chg="mod">
-          <ac:chgData name="Erik Král" userId="e92e8e71-05aa-4c44-9728-5ff1a0a20d65" providerId="ADAL" clId="{C99FE32A-0C55-45B0-BC8A-FA34FEC6275F}" dt="2020-03-18T13:16:45.624" v="439" actId="207"/>
-          <ac:spMkLst>
-            <pc:docMk/>
-            <pc:sldMk cId="617571108" sldId="427"/>
-            <ac:spMk id="4" creationId="{CEC0D4D6-913C-4A89-A632-6C2B411BB56A}"/>
-          </ac:spMkLst>
-        </pc:spChg>
-        <pc:spChg chg="mod">
-          <ac:chgData name="Erik Král" userId="e92e8e71-05aa-4c44-9728-5ff1a0a20d65" providerId="ADAL" clId="{C99FE32A-0C55-45B0-BC8A-FA34FEC6275F}" dt="2020-03-18T13:15:38.476" v="426" actId="1076"/>
-          <ac:spMkLst>
-            <pc:docMk/>
-            <pc:sldMk cId="617571108" sldId="427"/>
-            <ac:spMk id="6" creationId="{9C413DFC-1812-4627-973D-A7937722D961}"/>
-          </ac:spMkLst>
-        </pc:spChg>
-        <pc:spChg chg="add mod">
-          <ac:chgData name="Erik Král" userId="e92e8e71-05aa-4c44-9728-5ff1a0a20d65" providerId="ADAL" clId="{C99FE32A-0C55-45B0-BC8A-FA34FEC6275F}" dt="2020-03-18T13:16:51.693" v="440" actId="207"/>
-          <ac:spMkLst>
-            <pc:docMk/>
-            <pc:sldMk cId="617571108" sldId="427"/>
-            <ac:spMk id="7" creationId="{34A2B319-7D7A-4009-B4A2-07A0109B1D4A}"/>
-          </ac:spMkLst>
-        </pc:spChg>
-        <pc:spChg chg="mod">
-          <ac:chgData name="Erik Král" userId="e92e8e71-05aa-4c44-9728-5ff1a0a20d65" providerId="ADAL" clId="{C99FE32A-0C55-45B0-BC8A-FA34FEC6275F}" dt="2020-03-18T13:13:34.874" v="400" actId="20577"/>
-          <ac:spMkLst>
-            <pc:docMk/>
-            <pc:sldMk cId="617571108" sldId="427"/>
-            <ac:spMk id="19" creationId="{5991664A-27DE-49E2-9DC6-750FE8022B91}"/>
-          </ac:spMkLst>
-        </pc:spChg>
-        <pc:spChg chg="del mod">
-          <ac:chgData name="Erik Král" userId="e92e8e71-05aa-4c44-9728-5ff1a0a20d65" providerId="ADAL" clId="{C99FE32A-0C55-45B0-BC8A-FA34FEC6275F}" dt="2020-03-18T13:17:44.337" v="453" actId="478"/>
-          <ac:spMkLst>
-            <pc:docMk/>
-            <pc:sldMk cId="617571108" sldId="427"/>
-            <ac:spMk id="20" creationId="{FCB360D7-B05C-4F1A-A50A-2B22DEA3EE1A}"/>
-          </ac:spMkLst>
-        </pc:spChg>
-        <pc:spChg chg="del mod">
-          <ac:chgData name="Erik Král" userId="e92e8e71-05aa-4c44-9728-5ff1a0a20d65" providerId="ADAL" clId="{C99FE32A-0C55-45B0-BC8A-FA34FEC6275F}" dt="2020-03-18T13:17:44.337" v="453" actId="478"/>
-          <ac:spMkLst>
-            <pc:docMk/>
-            <pc:sldMk cId="617571108" sldId="427"/>
-            <ac:spMk id="23" creationId="{5BE9C815-B2B0-4B11-8959-293CDD75CFCD}"/>
-          </ac:spMkLst>
-        </pc:spChg>
-      </pc:sldChg>
-      <pc:sldChg chg="addSp delSp modSp add">
-        <pc:chgData name="Erik Král" userId="e92e8e71-05aa-4c44-9728-5ff1a0a20d65" providerId="ADAL" clId="{C99FE32A-0C55-45B0-BC8A-FA34FEC6275F}" dt="2020-03-18T13:18:56.844" v="461" actId="207"/>
-        <pc:sldMkLst>
-          <pc:docMk/>
-          <pc:sldMk cId="1289424326" sldId="428"/>
-        </pc:sldMkLst>
-        <pc:spChg chg="mod">
-          <ac:chgData name="Erik Král" userId="e92e8e71-05aa-4c44-9728-5ff1a0a20d65" providerId="ADAL" clId="{C99FE32A-0C55-45B0-BC8A-FA34FEC6275F}" dt="2020-03-18T13:18:52.682" v="460" actId="207"/>
-          <ac:spMkLst>
-            <pc:docMk/>
-            <pc:sldMk cId="1289424326" sldId="428"/>
-            <ac:spMk id="4" creationId="{CEC0D4D6-913C-4A89-A632-6C2B411BB56A}"/>
-          </ac:spMkLst>
-        </pc:spChg>
-        <pc:spChg chg="mod">
-          <ac:chgData name="Erik Král" userId="e92e8e71-05aa-4c44-9728-5ff1a0a20d65" providerId="ADAL" clId="{C99FE32A-0C55-45B0-BC8A-FA34FEC6275F}" dt="2020-03-18T13:14:00.562" v="410" actId="20577"/>
-          <ac:spMkLst>
-            <pc:docMk/>
-            <pc:sldMk cId="1289424326" sldId="428"/>
-            <ac:spMk id="19" creationId="{5991664A-27DE-49E2-9DC6-750FE8022B91}"/>
-          </ac:spMkLst>
-        </pc:spChg>
-        <pc:spChg chg="mod">
-          <ac:chgData name="Erik Král" userId="e92e8e71-05aa-4c44-9728-5ff1a0a20d65" providerId="ADAL" clId="{C99FE32A-0C55-45B0-BC8A-FA34FEC6275F}" dt="2020-03-18T13:18:56.844" v="461" actId="207"/>
-          <ac:spMkLst>
-            <pc:docMk/>
-            <pc:sldMk cId="1289424326" sldId="428"/>
-            <ac:spMk id="20" creationId="{FCB360D7-B05C-4F1A-A50A-2B22DEA3EE1A}"/>
-          </ac:spMkLst>
-        </pc:spChg>
-        <pc:spChg chg="mod">
-          <ac:chgData name="Erik Král" userId="e92e8e71-05aa-4c44-9728-5ff1a0a20d65" providerId="ADAL" clId="{C99FE32A-0C55-45B0-BC8A-FA34FEC6275F}" dt="2020-03-18T13:14:04.839" v="414" actId="20577"/>
-          <ac:spMkLst>
-            <pc:docMk/>
-            <pc:sldMk cId="1289424326" sldId="428"/>
-            <ac:spMk id="23" creationId="{5BE9C815-B2B0-4B11-8959-293CDD75CFCD}"/>
-          </ac:spMkLst>
-        </pc:spChg>
-        <pc:spChg chg="add del">
-          <ac:chgData name="Erik Král" userId="e92e8e71-05aa-4c44-9728-5ff1a0a20d65" providerId="ADAL" clId="{C99FE32A-0C55-45B0-BC8A-FA34FEC6275F}" dt="2020-03-18T13:18:12.195" v="455" actId="478"/>
-          <ac:spMkLst>
-            <pc:docMk/>
-            <pc:sldMk cId="1289424326" sldId="428"/>
-            <ac:spMk id="24" creationId="{B5BCBB6F-8011-4AD2-A343-240B9314DAC7}"/>
-          </ac:spMkLst>
-        </pc:spChg>
-        <pc:spChg chg="add del">
-          <ac:chgData name="Erik Král" userId="e92e8e71-05aa-4c44-9728-5ff1a0a20d65" providerId="ADAL" clId="{C99FE32A-0C55-45B0-BC8A-FA34FEC6275F}" dt="2020-03-18T13:18:12.195" v="455" actId="478"/>
-          <ac:spMkLst>
-            <pc:docMk/>
-            <pc:sldMk cId="1289424326" sldId="428"/>
-            <ac:spMk id="25" creationId="{2179E4EC-F47E-4655-B777-074E6F02345E}"/>
-          </ac:spMkLst>
-        </pc:spChg>
-      </pc:sldChg>
-      <pc:sldChg chg="addSp modSp add">
-        <pc:chgData name="Erik Král" userId="e92e8e71-05aa-4c44-9728-5ff1a0a20d65" providerId="ADAL" clId="{C99FE32A-0C55-45B0-BC8A-FA34FEC6275F}" dt="2020-03-18T13:18:36.720" v="459" actId="14100"/>
-        <pc:sldMkLst>
-          <pc:docMk/>
-          <pc:sldMk cId="443732945" sldId="429"/>
-        </pc:sldMkLst>
-        <pc:cxnChg chg="add mod">
-          <ac:chgData name="Erik Král" userId="e92e8e71-05aa-4c44-9728-5ff1a0a20d65" providerId="ADAL" clId="{C99FE32A-0C55-45B0-BC8A-FA34FEC6275F}" dt="2020-03-18T13:18:36.720" v="459" actId="14100"/>
-          <ac:cxnSpMkLst>
-            <pc:docMk/>
-            <pc:sldMk cId="443732945" sldId="429"/>
-            <ac:cxnSpMk id="24" creationId="{61D11F75-74CC-4A09-9812-F97D847D534F}"/>
-          </ac:cxnSpMkLst>
-        </pc:cxnChg>
-      </pc:sldChg>
-      <pc:sldChg chg="modSp add">
-        <pc:chgData name="Erik Král" userId="e92e8e71-05aa-4c44-9728-5ff1a0a20d65" providerId="ADAL" clId="{C99FE32A-0C55-45B0-BC8A-FA34FEC6275F}" dt="2020-03-18T13:19:08.755" v="464" actId="207"/>
-        <pc:sldMkLst>
-          <pc:docMk/>
-          <pc:sldMk cId="155081212" sldId="430"/>
-        </pc:sldMkLst>
-        <pc:spChg chg="mod">
-          <ac:chgData name="Erik Král" userId="e92e8e71-05aa-4c44-9728-5ff1a0a20d65" providerId="ADAL" clId="{C99FE32A-0C55-45B0-BC8A-FA34FEC6275F}" dt="2020-03-18T13:19:05.314" v="463" actId="207"/>
-          <ac:spMkLst>
-            <pc:docMk/>
-            <pc:sldMk cId="155081212" sldId="430"/>
-            <ac:spMk id="4" creationId="{CEC0D4D6-913C-4A89-A632-6C2B411BB56A}"/>
-          </ac:spMkLst>
-        </pc:spChg>
-        <pc:spChg chg="mod">
-          <ac:chgData name="Erik Král" userId="e92e8e71-05aa-4c44-9728-5ff1a0a20d65" providerId="ADAL" clId="{C99FE32A-0C55-45B0-BC8A-FA34FEC6275F}" dt="2020-03-18T13:19:08.755" v="464" actId="207"/>
-          <ac:spMkLst>
-            <pc:docMk/>
-            <pc:sldMk cId="155081212" sldId="430"/>
-            <ac:spMk id="20" creationId="{FCB360D7-B05C-4F1A-A50A-2B22DEA3EE1A}"/>
-          </ac:spMkLst>
-        </pc:spChg>
-      </pc:sldChg>
-    </pc:docChg>
-  </pc:docChgLst>
 </pc:chgInfo>
 </file>
 
@@ -3453,7 +3446,7 @@
           <a:p>
             <a:fld id="{78D9B9CC-48FD-46F0-BE95-57B0AFA539FB}" type="datetimeFigureOut">
               <a:rPr lang="cs-CZ" smtClean="0"/>
-              <a:t>19.03.2020</a:t>
+              <a:t>25.09.2025</a:t>
             </a:fld>
             <a:endParaRPr lang="cs-CZ"/>
           </a:p>
@@ -3619,7 +3612,7 @@
           <a:p>
             <a:fld id="{36B19B4E-FAE7-4854-9018-49E74BACA333}" type="datetimeFigureOut">
               <a:rPr lang="cs-CZ" smtClean="0"/>
-              <a:t>19.03.2020</a:t>
+              <a:t>25.09.2025</a:t>
             </a:fld>
             <a:endParaRPr lang="cs-CZ"/>
           </a:p>
@@ -4201,7 +4194,7 @@
           <a:p>
             <a:fld id="{2A00D43F-1BD7-40AF-BDDD-E07D0899E91B}" type="datetime1">
               <a:rPr lang="cs-CZ" smtClean="0"/>
-              <a:t>19.03.2020</a:t>
+              <a:t>25.09.2025</a:t>
             </a:fld>
             <a:endParaRPr lang="cs-CZ"/>
           </a:p>
@@ -4374,7 +4367,7 @@
           <a:p>
             <a:fld id="{031414FA-42EF-40A4-8A89-50638B7D11A5}" type="datetime1">
               <a:rPr lang="cs-CZ" smtClean="0"/>
-              <a:t>19.03.2020</a:t>
+              <a:t>25.09.2025</a:t>
             </a:fld>
             <a:endParaRPr lang="cs-CZ"/>
           </a:p>
@@ -4557,7 +4550,7 @@
           <a:p>
             <a:fld id="{D600A421-0954-421A-BA49-D9588F09156A}" type="datetime1">
               <a:rPr lang="cs-CZ" smtClean="0"/>
-              <a:t>19.03.2020</a:t>
+              <a:t>25.09.2025</a:t>
             </a:fld>
             <a:endParaRPr lang="cs-CZ"/>
           </a:p>
@@ -4730,7 +4723,7 @@
           <a:p>
             <a:fld id="{C8CFF63A-F393-47F6-B534-43E800AB7445}" type="datetime1">
               <a:rPr lang="cs-CZ" smtClean="0"/>
-              <a:t>19.03.2020</a:t>
+              <a:t>25.09.2025</a:t>
             </a:fld>
             <a:endParaRPr lang="cs-CZ"/>
           </a:p>
@@ -4979,7 +4972,7 @@
           <a:p>
             <a:fld id="{C350E0D1-8410-4A3F-84E8-26742A190F02}" type="datetime1">
               <a:rPr lang="cs-CZ" smtClean="0"/>
-              <a:t>19.03.2020</a:t>
+              <a:t>25.09.2025</a:t>
             </a:fld>
             <a:endParaRPr lang="cs-CZ"/>
           </a:p>
@@ -5270,7 +5263,7 @@
           <a:p>
             <a:fld id="{75EC03C0-EDEF-418C-841F-64E45E8364A7}" type="datetime1">
               <a:rPr lang="cs-CZ" smtClean="0"/>
-              <a:t>19.03.2020</a:t>
+              <a:t>25.09.2025</a:t>
             </a:fld>
             <a:endParaRPr lang="cs-CZ"/>
           </a:p>
@@ -5695,7 +5688,7 @@
           <a:p>
             <a:fld id="{38711C53-9D0F-452E-AF59-9817645EC6BC}" type="datetime1">
               <a:rPr lang="cs-CZ" smtClean="0"/>
-              <a:t>19.03.2020</a:t>
+              <a:t>25.09.2025</a:t>
             </a:fld>
             <a:endParaRPr lang="cs-CZ"/>
           </a:p>
@@ -5816,7 +5809,7 @@
           <a:p>
             <a:fld id="{50C35472-8FE8-49A1-A52D-ACC4CFDAC287}" type="datetime1">
               <a:rPr lang="cs-CZ" smtClean="0"/>
-              <a:t>19.03.2020</a:t>
+              <a:t>25.09.2025</a:t>
             </a:fld>
             <a:endParaRPr lang="cs-CZ"/>
           </a:p>
@@ -5914,7 +5907,7 @@
           <a:p>
             <a:fld id="{5982F93C-1D3C-4D9D-B0F9-303D9E71AD6A}" type="datetime1">
               <a:rPr lang="cs-CZ" smtClean="0"/>
-              <a:t>19.03.2020</a:t>
+              <a:t>25.09.2025</a:t>
             </a:fld>
             <a:endParaRPr lang="cs-CZ"/>
           </a:p>
@@ -6194,7 +6187,7 @@
           <a:p>
             <a:fld id="{B3DFFE23-292A-4263-9249-03AA30401FF7}" type="datetime1">
               <a:rPr lang="cs-CZ" smtClean="0"/>
-              <a:t>19.03.2020</a:t>
+              <a:t>25.09.2025</a:t>
             </a:fld>
             <a:endParaRPr lang="cs-CZ"/>
           </a:p>
@@ -6450,7 +6443,7 @@
           <a:p>
             <a:fld id="{CB4C4637-49AD-4C7F-BCB6-1899E8047122}" type="datetime1">
               <a:rPr lang="cs-CZ" smtClean="0"/>
-              <a:t>19.03.2020</a:t>
+              <a:t>25.09.2025</a:t>
             </a:fld>
             <a:endParaRPr lang="cs-CZ"/>
           </a:p>
@@ -6669,7 +6662,7 @@
           <a:p>
             <a:fld id="{7CC2FF82-2179-44E3-B1C8-B30BE6AFE56F}" type="datetime1">
               <a:rPr lang="cs-CZ" smtClean="0"/>
-              <a:t>19.03.2020</a:t>
+              <a:t>25.09.2025</a:t>
             </a:fld>
             <a:endParaRPr lang="cs-CZ"/>
           </a:p>
@@ -29396,9 +29389,14 @@
               <a:t>odčíta</a:t>
             </a:r>
             <a:r>
-              <a:rPr lang="cs-CZ" dirty="0"/>
+              <a:rPr lang="en-US"/>
+              <a:t>t</a:t>
+            </a:r>
+            <a:r>
+              <a:rPr lang="cs-CZ"/>
               <a:t>.</a:t>
             </a:r>
+            <a:endParaRPr lang="cs-CZ" dirty="0"/>
           </a:p>
           <a:p>
             <a:r>
@@ -40014,15 +40012,6 @@
 </file>
 
 <file path=customXml/item1.xml><?xml version="1.0" encoding="utf-8"?>
-<?mso-contentType ?>
-<FormTemplates xmlns="http://schemas.microsoft.com/sharepoint/v3/contenttype/forms">
-  <Display>DocumentLibraryForm</Display>
-  <Edit>DocumentLibraryForm</Edit>
-  <New>DocumentLibraryForm</New>
-</FormTemplates>
-</file>
-
-<file path=customXml/item2.xml><?xml version="1.0" encoding="utf-8"?>
 <ct:contentTypeSchema xmlns:ct="http://schemas.microsoft.com/office/2006/metadata/contentType" xmlns:ma="http://schemas.microsoft.com/office/2006/metadata/properties/metaAttributes" ct:_="" ma:_="" ma:contentTypeName="Dokument" ma:contentTypeID="0x0101008365D04BCCCB654FABB38863145F9243" ma:contentTypeVersion="10" ma:contentTypeDescription="Vytvoří nový dokument" ma:contentTypeScope="" ma:versionID="e0d73cda0e1e58f6955a7bb9f79ad378">
   <xsd:schema xmlns:xsd="http://www.w3.org/2001/XMLSchema" xmlns:xs="http://www.w3.org/2001/XMLSchema" xmlns:p="http://schemas.microsoft.com/office/2006/metadata/properties" xmlns:ns3="be1491ba-191a-468a-9e51-27abfd4363ea" xmlns:ns4="20268733-5f22-42fd-8f9d-ffbc0e994e13" targetNamespace="http://schemas.microsoft.com/office/2006/metadata/properties" ma:root="true" ma:fieldsID="ef38525286d2f72374d14ddb21a1e26e" ns3:_="" ns4:_="">
     <xsd:import namespace="be1491ba-191a-468a-9e51-27abfd4363ea"/>
@@ -40225,21 +40214,22 @@
 </ct:contentTypeSchema>
 </file>
 
-<file path=customXml/item3.xml><?xml version="1.0" encoding="utf-8"?>
+<file path=customXml/item2.xml><?xml version="1.0" encoding="utf-8"?>
 <p:properties xmlns:p="http://schemas.microsoft.com/office/2006/metadata/properties" xmlns:xsi="http://www.w3.org/2001/XMLSchema-instance" xmlns:pc="http://schemas.microsoft.com/office/infopath/2007/PartnerControls">
   <documentManagement/>
 </p:properties>
 </file>
 
-<file path=customXml/itemProps1.xml><?xml version="1.0" encoding="utf-8"?>
-<ds:datastoreItem xmlns:ds="http://schemas.openxmlformats.org/officeDocument/2006/customXml" ds:itemID="{A8897847-F17E-4845-9742-9A767C40BD4A}">
-  <ds:schemaRefs>
-    <ds:schemaRef ds:uri="http://schemas.microsoft.com/sharepoint/v3/contenttype/forms"/>
-  </ds:schemaRefs>
-</ds:datastoreItem>
+<file path=customXml/item3.xml><?xml version="1.0" encoding="utf-8"?>
+<?mso-contentType ?>
+<FormTemplates xmlns="http://schemas.microsoft.com/sharepoint/v3/contenttype/forms">
+  <Display>DocumentLibraryForm</Display>
+  <Edit>DocumentLibraryForm</Edit>
+  <New>DocumentLibraryForm</New>
+</FormTemplates>
 </file>
 
-<file path=customXml/itemProps2.xml><?xml version="1.0" encoding="utf-8"?>
+<file path=customXml/itemProps1.xml><?xml version="1.0" encoding="utf-8"?>
 <ds:datastoreItem xmlns:ds="http://schemas.openxmlformats.org/officeDocument/2006/customXml" ds:itemID="{56964712-E031-4247-B138-A4A0B04A411D}">
   <ds:schemaRefs>
     <ds:schemaRef ds:uri="http://schemas.microsoft.com/office/2006/metadata/contentType"/>
@@ -40258,7 +40248,7 @@
 </ds:datastoreItem>
 </file>
 
-<file path=customXml/itemProps3.xml><?xml version="1.0" encoding="utf-8"?>
+<file path=customXml/itemProps2.xml><?xml version="1.0" encoding="utf-8"?>
 <ds:datastoreItem xmlns:ds="http://schemas.openxmlformats.org/officeDocument/2006/customXml" ds:itemID="{11E61477-7505-47B1-BCBA-76AAD6F1E177}">
   <ds:schemaRefs>
     <ds:schemaRef ds:uri="20268733-5f22-42fd-8f9d-ffbc0e994e13"/>
@@ -40273,4 +40263,12 @@
     <ds:schemaRef ds:uri="be1491ba-191a-468a-9e51-27abfd4363ea"/>
   </ds:schemaRefs>
 </ds:datastoreItem>
+</file>
+
+<file path=customXml/itemProps3.xml><?xml version="1.0" encoding="utf-8"?>
+<ds:datastoreItem xmlns:ds="http://schemas.openxmlformats.org/officeDocument/2006/customXml" ds:itemID="{A8897847-F17E-4845-9742-9A767C40BD4A}">
+  <ds:schemaRefs>
+    <ds:schemaRef ds:uri="http://schemas.microsoft.com/sharepoint/v3/contenttype/forms"/>
+  </ds:schemaRefs>
+</ds:datastoreItem>
 </file>